--- a/plots/Fig3 feature modification flowchart.pptx
+++ b/plots/Fig3 feature modification flowchart.pptx
@@ -197,7 +197,7 @@
           <a:p>
             <a:fld id="{7FBD6D00-5174-A449-9D44-84A3CC40E9AF}" type="datetimeFigureOut">
               <a:rPr lang="en-US" smtClean="0"/>
-              <a:t>1/15/24</a:t>
+              <a:t>1/16/24</a:t>
             </a:fld>
             <a:endParaRPr lang="en-US"/>
           </a:p>
@@ -596,7 +596,7 @@
           <a:p>
             <a:fld id="{A2BAE022-C88F-2B41-9F90-7F832352A141}" type="datetimeFigureOut">
               <a:rPr lang="en-US" smtClean="0"/>
-              <a:t>1/15/24</a:t>
+              <a:t>1/16/24</a:t>
             </a:fld>
             <a:endParaRPr lang="en-US"/>
           </a:p>
@@ -766,7 +766,7 @@
           <a:p>
             <a:fld id="{A2BAE022-C88F-2B41-9F90-7F832352A141}" type="datetimeFigureOut">
               <a:rPr lang="en-US" smtClean="0"/>
-              <a:t>1/15/24</a:t>
+              <a:t>1/16/24</a:t>
             </a:fld>
             <a:endParaRPr lang="en-US"/>
           </a:p>
@@ -946,7 +946,7 @@
           <a:p>
             <a:fld id="{A2BAE022-C88F-2B41-9F90-7F832352A141}" type="datetimeFigureOut">
               <a:rPr lang="en-US" smtClean="0"/>
-              <a:t>1/15/24</a:t>
+              <a:t>1/16/24</a:t>
             </a:fld>
             <a:endParaRPr lang="en-US"/>
           </a:p>
@@ -1116,7 +1116,7 @@
           <a:p>
             <a:fld id="{A2BAE022-C88F-2B41-9F90-7F832352A141}" type="datetimeFigureOut">
               <a:rPr lang="en-US" smtClean="0"/>
-              <a:t>1/15/24</a:t>
+              <a:t>1/16/24</a:t>
             </a:fld>
             <a:endParaRPr lang="en-US"/>
           </a:p>
@@ -1360,7 +1360,7 @@
           <a:p>
             <a:fld id="{A2BAE022-C88F-2B41-9F90-7F832352A141}" type="datetimeFigureOut">
               <a:rPr lang="en-US" smtClean="0"/>
-              <a:t>1/15/24</a:t>
+              <a:t>1/16/24</a:t>
             </a:fld>
             <a:endParaRPr lang="en-US"/>
           </a:p>
@@ -1592,7 +1592,7 @@
           <a:p>
             <a:fld id="{A2BAE022-C88F-2B41-9F90-7F832352A141}" type="datetimeFigureOut">
               <a:rPr lang="en-US" smtClean="0"/>
-              <a:t>1/15/24</a:t>
+              <a:t>1/16/24</a:t>
             </a:fld>
             <a:endParaRPr lang="en-US"/>
           </a:p>
@@ -1959,7 +1959,7 @@
           <a:p>
             <a:fld id="{A2BAE022-C88F-2B41-9F90-7F832352A141}" type="datetimeFigureOut">
               <a:rPr lang="en-US" smtClean="0"/>
-              <a:t>1/15/24</a:t>
+              <a:t>1/16/24</a:t>
             </a:fld>
             <a:endParaRPr lang="en-US"/>
           </a:p>
@@ -2077,7 +2077,7 @@
           <a:p>
             <a:fld id="{A2BAE022-C88F-2B41-9F90-7F832352A141}" type="datetimeFigureOut">
               <a:rPr lang="en-US" smtClean="0"/>
-              <a:t>1/15/24</a:t>
+              <a:t>1/16/24</a:t>
             </a:fld>
             <a:endParaRPr lang="en-US"/>
           </a:p>
@@ -2172,7 +2172,7 @@
           <a:p>
             <a:fld id="{A2BAE022-C88F-2B41-9F90-7F832352A141}" type="datetimeFigureOut">
               <a:rPr lang="en-US" smtClean="0"/>
-              <a:t>1/15/24</a:t>
+              <a:t>1/16/24</a:t>
             </a:fld>
             <a:endParaRPr lang="en-US"/>
           </a:p>
@@ -2449,7 +2449,7 @@
           <a:p>
             <a:fld id="{A2BAE022-C88F-2B41-9F90-7F832352A141}" type="datetimeFigureOut">
               <a:rPr lang="en-US" smtClean="0"/>
-              <a:t>1/15/24</a:t>
+              <a:t>1/16/24</a:t>
             </a:fld>
             <a:endParaRPr lang="en-US"/>
           </a:p>
@@ -2706,7 +2706,7 @@
           <a:p>
             <a:fld id="{A2BAE022-C88F-2B41-9F90-7F832352A141}" type="datetimeFigureOut">
               <a:rPr lang="en-US" smtClean="0"/>
-              <a:t>1/15/24</a:t>
+              <a:t>1/16/24</a:t>
             </a:fld>
             <a:endParaRPr lang="en-US"/>
           </a:p>
@@ -2919,7 +2919,7 @@
           <a:p>
             <a:fld id="{A2BAE022-C88F-2B41-9F90-7F832352A141}" type="datetimeFigureOut">
               <a:rPr lang="en-US" smtClean="0"/>
-              <a:t>1/15/24</a:t>
+              <a:t>1/16/24</a:t>
             </a:fld>
             <a:endParaRPr lang="en-US"/>
           </a:p>
@@ -3329,7 +3329,7 @@
           <p:cNvPr id="4" name="Group 3">
             <a:extLst>
               <a:ext uri="{FF2B5EF4-FFF2-40B4-BE49-F238E27FC236}">
-                <a16:creationId xmlns:a16="http://schemas.microsoft.com/office/drawing/2014/main" id="{728B7B55-E002-3035-AF40-B70DAABA4ADA}"/>
+                <a16:creationId xmlns:a16="http://schemas.microsoft.com/office/drawing/2014/main" id="{B74ECD38-38B9-606E-7B7F-F0CBD68B266C}"/>
               </a:ext>
             </a:extLst>
           </p:cNvPr>
@@ -3351,7 +3351,7 @@
             <p:cNvPr id="5" name="Group 4">
               <a:extLst>
                 <a:ext uri="{FF2B5EF4-FFF2-40B4-BE49-F238E27FC236}">
-                  <a16:creationId xmlns:a16="http://schemas.microsoft.com/office/drawing/2014/main" id="{AE1FED2E-8A56-5A93-47AC-E4CE8A2232CD}"/>
+                  <a16:creationId xmlns:a16="http://schemas.microsoft.com/office/drawing/2014/main" id="{16DC778F-B11F-969E-6925-952366F20373}"/>
                 </a:ext>
               </a:extLst>
             </p:cNvPr>
@@ -3370,10 +3370,10 @@
           </p:grpSpPr>
           <p:sp>
             <p:nvSpPr>
-              <p:cNvPr id="85" name="Right Brace 84">
+              <p:cNvPr id="149" name="Right Brace 148">
                 <a:extLst>
                   <a:ext uri="{FF2B5EF4-FFF2-40B4-BE49-F238E27FC236}">
-                    <a16:creationId xmlns:a16="http://schemas.microsoft.com/office/drawing/2014/main" id="{E9E4BF4F-7E1F-DDC8-1178-373056CCF262}"/>
+                    <a16:creationId xmlns:a16="http://schemas.microsoft.com/office/drawing/2014/main" id="{C8D2B4AF-89DD-B06D-C6A3-BD1D63B2D3A0}"/>
                   </a:ext>
                 </a:extLst>
               </p:cNvPr>
@@ -3425,10 +3425,10 @@
           </p:sp>
           <p:sp>
             <p:nvSpPr>
-              <p:cNvPr id="86" name="Right Brace 85">
+              <p:cNvPr id="150" name="Right Brace 149">
                 <a:extLst>
                   <a:ext uri="{FF2B5EF4-FFF2-40B4-BE49-F238E27FC236}">
-                    <a16:creationId xmlns:a16="http://schemas.microsoft.com/office/drawing/2014/main" id="{EA4AB21D-2F2E-B39F-076F-ED74A77A3E88}"/>
+                    <a16:creationId xmlns:a16="http://schemas.microsoft.com/office/drawing/2014/main" id="{1CE74AC3-E27E-A895-5438-0835163C7012}"/>
                   </a:ext>
                 </a:extLst>
               </p:cNvPr>
@@ -3480,10 +3480,10 @@
           </p:sp>
           <p:sp>
             <p:nvSpPr>
-              <p:cNvPr id="87" name="Right Brace 86">
+              <p:cNvPr id="151" name="Right Brace 150">
                 <a:extLst>
                   <a:ext uri="{FF2B5EF4-FFF2-40B4-BE49-F238E27FC236}">
-                    <a16:creationId xmlns:a16="http://schemas.microsoft.com/office/drawing/2014/main" id="{0E463C59-26CD-D425-9EF6-E5A76719679B}"/>
+                    <a16:creationId xmlns:a16="http://schemas.microsoft.com/office/drawing/2014/main" id="{5B4CB8C9-E3E3-4114-0239-3C79A87C1600}"/>
                   </a:ext>
                 </a:extLst>
               </p:cNvPr>
@@ -3535,10 +3535,10 @@
           </p:sp>
           <p:sp>
             <p:nvSpPr>
-              <p:cNvPr id="88" name="Right Brace 87">
+              <p:cNvPr id="152" name="Right Brace 151">
                 <a:extLst>
                   <a:ext uri="{FF2B5EF4-FFF2-40B4-BE49-F238E27FC236}">
-                    <a16:creationId xmlns:a16="http://schemas.microsoft.com/office/drawing/2014/main" id="{6FD9FF72-87E6-F0EC-7BB4-AEDCC5C32F35}"/>
+                    <a16:creationId xmlns:a16="http://schemas.microsoft.com/office/drawing/2014/main" id="{BE67F22F-A8B2-5377-A47C-559B39668474}"/>
                   </a:ext>
                 </a:extLst>
               </p:cNvPr>
@@ -3590,10 +3590,10 @@
           </p:sp>
           <p:grpSp>
             <p:nvGrpSpPr>
-              <p:cNvPr id="89" name="Group 88">
+              <p:cNvPr id="153" name="Group 152">
                 <a:extLst>
                   <a:ext uri="{FF2B5EF4-FFF2-40B4-BE49-F238E27FC236}">
-                    <a16:creationId xmlns:a16="http://schemas.microsoft.com/office/drawing/2014/main" id="{477E5EA7-B979-2442-8F9C-0D4EFE998696}"/>
+                    <a16:creationId xmlns:a16="http://schemas.microsoft.com/office/drawing/2014/main" id="{90175689-9024-9D32-5037-E83F1ABA0AB3}"/>
                   </a:ext>
                 </a:extLst>
               </p:cNvPr>
@@ -3612,10 +3612,10 @@
             </p:grpSpPr>
             <p:grpSp>
               <p:nvGrpSpPr>
-                <p:cNvPr id="90" name="Group 89">
+                <p:cNvPr id="154" name="Group 153">
                   <a:extLst>
                     <a:ext uri="{FF2B5EF4-FFF2-40B4-BE49-F238E27FC236}">
-                      <a16:creationId xmlns:a16="http://schemas.microsoft.com/office/drawing/2014/main" id="{AC330C14-692E-37B3-FE66-4C2F674AD3E2}"/>
+                      <a16:creationId xmlns:a16="http://schemas.microsoft.com/office/drawing/2014/main" id="{09E37C7C-93BB-AEDB-F714-5DA01206DF76}"/>
                     </a:ext>
                   </a:extLst>
                 </p:cNvPr>
@@ -3634,10 +3634,10 @@
               </p:grpSpPr>
               <p:grpSp>
                 <p:nvGrpSpPr>
-                  <p:cNvPr id="99" name="Group 98">
+                  <p:cNvPr id="316" name="Group 315">
                     <a:extLst>
                       <a:ext uri="{FF2B5EF4-FFF2-40B4-BE49-F238E27FC236}">
-                        <a16:creationId xmlns:a16="http://schemas.microsoft.com/office/drawing/2014/main" id="{C8FE7686-A20D-A7A4-8FC8-8226A6513B80}"/>
+                        <a16:creationId xmlns:a16="http://schemas.microsoft.com/office/drawing/2014/main" id="{1628DFC8-0FA3-D9A5-5DA0-4A78D844BDA5}"/>
                       </a:ext>
                     </a:extLst>
                   </p:cNvPr>
@@ -3656,10 +3656,10 @@
                 </p:grpSpPr>
                 <p:grpSp>
                   <p:nvGrpSpPr>
-                    <p:cNvPr id="101" name="Group 100">
+                    <p:cNvPr id="318" name="Group 317">
                       <a:extLst>
                         <a:ext uri="{FF2B5EF4-FFF2-40B4-BE49-F238E27FC236}">
-                          <a16:creationId xmlns:a16="http://schemas.microsoft.com/office/drawing/2014/main" id="{633EE68D-EE04-7E56-FE8A-AE83987C0C02}"/>
+                          <a16:creationId xmlns:a16="http://schemas.microsoft.com/office/drawing/2014/main" id="{60BA9B1C-4E5C-2C15-43C0-C448608C2DD6}"/>
                         </a:ext>
                       </a:extLst>
                     </p:cNvPr>
@@ -3678,10 +3678,10 @@
                   </p:grpSpPr>
                   <p:grpSp>
                     <p:nvGrpSpPr>
-                      <p:cNvPr id="103" name="Group 102">
+                      <p:cNvPr id="320" name="Group 319">
                         <a:extLst>
                           <a:ext uri="{FF2B5EF4-FFF2-40B4-BE49-F238E27FC236}">
-                            <a16:creationId xmlns:a16="http://schemas.microsoft.com/office/drawing/2014/main" id="{1DCD038C-5148-80BE-13E2-DBA256A57C07}"/>
+                            <a16:creationId xmlns:a16="http://schemas.microsoft.com/office/drawing/2014/main" id="{C8BBCC3D-07EB-38BD-538B-2F5B89011029}"/>
                           </a:ext>
                         </a:extLst>
                       </p:cNvPr>
@@ -3700,10 +3700,10 @@
                     </p:grpSpPr>
                     <p:sp>
                       <p:nvSpPr>
-                        <p:cNvPr id="105" name="Rectangle 104">
+                        <p:cNvPr id="322" name="Rectangle 321">
                           <a:extLst>
                             <a:ext uri="{FF2B5EF4-FFF2-40B4-BE49-F238E27FC236}">
-                              <a16:creationId xmlns:a16="http://schemas.microsoft.com/office/drawing/2014/main" id="{15E9EB13-B5C2-0C07-F185-335BC554D2BB}"/>
+                              <a16:creationId xmlns:a16="http://schemas.microsoft.com/office/drawing/2014/main" id="{C0E7B119-9CD8-7AC3-021A-AEEFBE503050}"/>
                             </a:ext>
                           </a:extLst>
                         </p:cNvPr>
@@ -3758,10 +3758,10 @@
                     </p:sp>
                     <p:sp>
                       <p:nvSpPr>
-                        <p:cNvPr id="106" name="TextBox 105">
+                        <p:cNvPr id="323" name="TextBox 322">
                           <a:extLst>
                             <a:ext uri="{FF2B5EF4-FFF2-40B4-BE49-F238E27FC236}">
-                              <a16:creationId xmlns:a16="http://schemas.microsoft.com/office/drawing/2014/main" id="{96F7CBDB-212C-96DF-EC20-3C738733A5F1}"/>
+                              <a16:creationId xmlns:a16="http://schemas.microsoft.com/office/drawing/2014/main" id="{7A4092A9-9C25-F5EE-A277-1966A0BF8CED}"/>
                             </a:ext>
                           </a:extLst>
                         </p:cNvPr>
@@ -3837,10 +3837,10 @@
                     </p:sp>
                     <p:grpSp>
                       <p:nvGrpSpPr>
-                        <p:cNvPr id="107" name="Group 106">
+                        <p:cNvPr id="324" name="Group 323">
                           <a:extLst>
                             <a:ext uri="{FF2B5EF4-FFF2-40B4-BE49-F238E27FC236}">
-                              <a16:creationId xmlns:a16="http://schemas.microsoft.com/office/drawing/2014/main" id="{21ECC262-689D-957D-4271-5FF5C903DE14}"/>
+                              <a16:creationId xmlns:a16="http://schemas.microsoft.com/office/drawing/2014/main" id="{AC789B7F-3B29-43D6-5703-99FB55BF84E1}"/>
                             </a:ext>
                           </a:extLst>
                         </p:cNvPr>
@@ -3859,10 +3859,10 @@
                       </p:grpSpPr>
                       <p:sp>
                         <p:nvSpPr>
-                          <p:cNvPr id="108" name="TextBox 107">
+                          <p:cNvPr id="325" name="TextBox 324">
                             <a:extLst>
                               <a:ext uri="{FF2B5EF4-FFF2-40B4-BE49-F238E27FC236}">
-                                <a16:creationId xmlns:a16="http://schemas.microsoft.com/office/drawing/2014/main" id="{C0C8E06E-17B3-0087-1691-012029EA2529}"/>
+                                <a16:creationId xmlns:a16="http://schemas.microsoft.com/office/drawing/2014/main" id="{0F9FBFA0-E10E-337D-35C0-E904539DD879}"/>
                               </a:ext>
                             </a:extLst>
                           </p:cNvPr>
@@ -3900,10 +3900,10 @@
                       </p:sp>
                       <p:sp>
                         <p:nvSpPr>
-                          <p:cNvPr id="109" name="TextBox 108">
+                          <p:cNvPr id="326" name="TextBox 325">
                             <a:extLst>
                               <a:ext uri="{FF2B5EF4-FFF2-40B4-BE49-F238E27FC236}">
-                                <a16:creationId xmlns:a16="http://schemas.microsoft.com/office/drawing/2014/main" id="{54B6C1C0-6BEC-1112-A246-6535FC69E648}"/>
+                                <a16:creationId xmlns:a16="http://schemas.microsoft.com/office/drawing/2014/main" id="{6878416F-7AED-90F2-E08A-64C6586DED4D}"/>
                               </a:ext>
                             </a:extLst>
                           </p:cNvPr>
@@ -3941,10 +3941,10 @@
                       </p:sp>
                       <p:sp>
                         <p:nvSpPr>
-                          <p:cNvPr id="110" name="TextBox 109">
+                          <p:cNvPr id="327" name="TextBox 326">
                             <a:extLst>
                               <a:ext uri="{FF2B5EF4-FFF2-40B4-BE49-F238E27FC236}">
-                                <a16:creationId xmlns:a16="http://schemas.microsoft.com/office/drawing/2014/main" id="{5C667F8F-B2B6-5E43-346A-81BAA2FF88DA}"/>
+                                <a16:creationId xmlns:a16="http://schemas.microsoft.com/office/drawing/2014/main" id="{C3FBB635-E3BE-6267-C842-49D2CA1876BE}"/>
                               </a:ext>
                             </a:extLst>
                           </p:cNvPr>
@@ -3982,10 +3982,10 @@
                       </p:sp>
                       <p:grpSp>
                         <p:nvGrpSpPr>
-                          <p:cNvPr id="111" name="Group 110">
+                          <p:cNvPr id="328" name="Group 327">
                             <a:extLst>
                               <a:ext uri="{FF2B5EF4-FFF2-40B4-BE49-F238E27FC236}">
-                                <a16:creationId xmlns:a16="http://schemas.microsoft.com/office/drawing/2014/main" id="{4BAAF572-6F51-7A4B-0F69-095A9088891D}"/>
+                                <a16:creationId xmlns:a16="http://schemas.microsoft.com/office/drawing/2014/main" id="{8A4117CE-960D-4E63-F3F4-1555455891FE}"/>
                               </a:ext>
                             </a:extLst>
                           </p:cNvPr>
@@ -4004,10 +4004,10 @@
                         </p:grpSpPr>
                         <p:grpSp>
                           <p:nvGrpSpPr>
-                            <p:cNvPr id="137" name="Group 136">
+                            <p:cNvPr id="354" name="Group 353">
                               <a:extLst>
                                 <a:ext uri="{FF2B5EF4-FFF2-40B4-BE49-F238E27FC236}">
-                                  <a16:creationId xmlns:a16="http://schemas.microsoft.com/office/drawing/2014/main" id="{A3B5C241-09D3-5A55-980E-1BCA95ED9E79}"/>
+                                  <a16:creationId xmlns:a16="http://schemas.microsoft.com/office/drawing/2014/main" id="{42C2D6D3-0FF9-C993-1EAF-D84CF674E757}"/>
                                 </a:ext>
                               </a:extLst>
                             </p:cNvPr>
@@ -4026,10 +4026,10 @@
                           </p:grpSpPr>
                           <p:grpSp>
                             <p:nvGrpSpPr>
-                              <p:cNvPr id="152" name="Group 151">
+                              <p:cNvPr id="369" name="Group 368">
                                 <a:extLst>
                                   <a:ext uri="{FF2B5EF4-FFF2-40B4-BE49-F238E27FC236}">
-                                    <a16:creationId xmlns:a16="http://schemas.microsoft.com/office/drawing/2014/main" id="{08124305-4396-392D-61DB-E316CC8E4E7F}"/>
+                                    <a16:creationId xmlns:a16="http://schemas.microsoft.com/office/drawing/2014/main" id="{2204BD5F-8803-353E-0AA5-58E28B259004}"/>
                                   </a:ext>
                                 </a:extLst>
                               </p:cNvPr>
@@ -4048,10 +4048,10 @@
                             </p:grpSpPr>
                             <p:sp>
                               <p:nvSpPr>
-                                <p:cNvPr id="157" name="TextBox 156">
+                                <p:cNvPr id="374" name="TextBox 373">
                                   <a:extLst>
                                     <a:ext uri="{FF2B5EF4-FFF2-40B4-BE49-F238E27FC236}">
-                                      <a16:creationId xmlns:a16="http://schemas.microsoft.com/office/drawing/2014/main" id="{19ECE8C9-B573-1540-F2DC-927FAFE2E6F8}"/>
+                                      <a16:creationId xmlns:a16="http://schemas.microsoft.com/office/drawing/2014/main" id="{973B473C-C352-DBD2-EDE2-6FCA2BDEBE14}"/>
                                     </a:ext>
                                   </a:extLst>
                                 </p:cNvPr>
@@ -4089,10 +4089,10 @@
                             </p:sp>
                             <p:sp>
                               <p:nvSpPr>
-                                <p:cNvPr id="158" name="TextBox 157">
+                                <p:cNvPr id="375" name="TextBox 374">
                                   <a:extLst>
                                     <a:ext uri="{FF2B5EF4-FFF2-40B4-BE49-F238E27FC236}">
-                                      <a16:creationId xmlns:a16="http://schemas.microsoft.com/office/drawing/2014/main" id="{FC26B87A-E3DE-5505-146C-903DAD142CCA}"/>
+                                      <a16:creationId xmlns:a16="http://schemas.microsoft.com/office/drawing/2014/main" id="{64FB5A02-88E3-99FB-F5DB-FB95EC7AB919}"/>
                                     </a:ext>
                                   </a:extLst>
                                 </p:cNvPr>
@@ -4130,10 +4130,10 @@
                           </p:grpSp>
                           <p:grpSp>
                             <p:nvGrpSpPr>
-                              <p:cNvPr id="153" name="Group 152">
+                              <p:cNvPr id="370" name="Group 369">
                                 <a:extLst>
                                   <a:ext uri="{FF2B5EF4-FFF2-40B4-BE49-F238E27FC236}">
-                                    <a16:creationId xmlns:a16="http://schemas.microsoft.com/office/drawing/2014/main" id="{F19BEDA4-F614-A787-3DB5-6C5668853E8D}"/>
+                                    <a16:creationId xmlns:a16="http://schemas.microsoft.com/office/drawing/2014/main" id="{FFD852FC-F4C1-1D9E-BCA7-840C37645E23}"/>
                                   </a:ext>
                                 </a:extLst>
                               </p:cNvPr>
@@ -4152,10 +4152,10 @@
                             </p:grpSpPr>
                             <p:sp>
                               <p:nvSpPr>
-                                <p:cNvPr id="154" name="Rectangle 153">
+                                <p:cNvPr id="371" name="Rectangle 370">
                                   <a:extLst>
                                     <a:ext uri="{FF2B5EF4-FFF2-40B4-BE49-F238E27FC236}">
-                                      <a16:creationId xmlns:a16="http://schemas.microsoft.com/office/drawing/2014/main" id="{352B6B08-FEA8-CE5C-42C6-3F6590B695A0}"/>
+                                      <a16:creationId xmlns:a16="http://schemas.microsoft.com/office/drawing/2014/main" id="{03852D86-C9EB-50E8-2632-F22606D08EA0}"/>
                                     </a:ext>
                                   </a:extLst>
                                 </p:cNvPr>
@@ -4212,10 +4212,10 @@
                             </p:sp>
                             <p:sp>
                               <p:nvSpPr>
-                                <p:cNvPr id="155" name="TextBox 154">
+                                <p:cNvPr id="372" name="TextBox 371">
                                   <a:extLst>
                                     <a:ext uri="{FF2B5EF4-FFF2-40B4-BE49-F238E27FC236}">
-                                      <a16:creationId xmlns:a16="http://schemas.microsoft.com/office/drawing/2014/main" id="{6580088D-BB05-82B6-A73B-571767A146DC}"/>
+                                      <a16:creationId xmlns:a16="http://schemas.microsoft.com/office/drawing/2014/main" id="{F91FBFBD-E6AD-6C9D-A50A-F51A4D28CBCF}"/>
                                     </a:ext>
                                   </a:extLst>
                                 </p:cNvPr>
@@ -4253,10 +4253,10 @@
                             </p:sp>
                             <p:pic>
                               <p:nvPicPr>
-                                <p:cNvPr id="156" name="Picture 155">
+                                <p:cNvPr id="373" name="Picture 372">
                                   <a:extLst>
                                     <a:ext uri="{FF2B5EF4-FFF2-40B4-BE49-F238E27FC236}">
-                                      <a16:creationId xmlns:a16="http://schemas.microsoft.com/office/drawing/2014/main" id="{7E420051-A9D7-134E-FBFE-FDE3B120DD2E}"/>
+                                      <a16:creationId xmlns:a16="http://schemas.microsoft.com/office/drawing/2014/main" id="{1A06226A-701B-2690-19AF-501A8FCBAEBA}"/>
                                     </a:ext>
                                   </a:extLst>
                                 </p:cNvPr>
@@ -4285,10 +4285,10 @@
                         </p:grpSp>
                         <p:cxnSp>
                           <p:nvCxnSpPr>
-                            <p:cNvPr id="138" name="Straight Arrow Connector 137">
+                            <p:cNvPr id="355" name="Straight Arrow Connector 354">
                               <a:extLst>
                                 <a:ext uri="{FF2B5EF4-FFF2-40B4-BE49-F238E27FC236}">
-                                  <a16:creationId xmlns:a16="http://schemas.microsoft.com/office/drawing/2014/main" id="{D7BC2DD1-3097-2E6E-7CD2-624BCD113177}"/>
+                                  <a16:creationId xmlns:a16="http://schemas.microsoft.com/office/drawing/2014/main" id="{2290A752-1737-C0AD-4904-1A5EA3760625}"/>
                                 </a:ext>
                               </a:extLst>
                             </p:cNvPr>
@@ -4331,10 +4331,10 @@
                         </p:cxnSp>
                         <p:sp>
                           <p:nvSpPr>
-                            <p:cNvPr id="139" name="TextBox 138">
+                            <p:cNvPr id="356" name="TextBox 355">
                               <a:extLst>
                                 <a:ext uri="{FF2B5EF4-FFF2-40B4-BE49-F238E27FC236}">
-                                  <a16:creationId xmlns:a16="http://schemas.microsoft.com/office/drawing/2014/main" id="{DE7E7CEB-9E54-0E1D-D724-64AB0A48E57B}"/>
+                                  <a16:creationId xmlns:a16="http://schemas.microsoft.com/office/drawing/2014/main" id="{F776BF0C-E40E-247C-E84A-4777BC2AEFCD}"/>
                                 </a:ext>
                               </a:extLst>
                             </p:cNvPr>
@@ -4372,10 +4372,10 @@
                         </p:sp>
                         <p:cxnSp>
                           <p:nvCxnSpPr>
-                            <p:cNvPr id="140" name="Straight Arrow Connector 139">
+                            <p:cNvPr id="357" name="Straight Arrow Connector 356">
                               <a:extLst>
                                 <a:ext uri="{FF2B5EF4-FFF2-40B4-BE49-F238E27FC236}">
-                                  <a16:creationId xmlns:a16="http://schemas.microsoft.com/office/drawing/2014/main" id="{30E75AD1-6FC8-5950-2C91-9641279B100E}"/>
+                                  <a16:creationId xmlns:a16="http://schemas.microsoft.com/office/drawing/2014/main" id="{F23D4F82-FBDE-C1CE-D40A-473D16CAD6A9}"/>
                                 </a:ext>
                               </a:extLst>
                             </p:cNvPr>
@@ -4418,10 +4418,10 @@
                         </p:cxnSp>
                         <p:sp>
                           <p:nvSpPr>
-                            <p:cNvPr id="141" name="TextBox 140">
+                            <p:cNvPr id="358" name="TextBox 357">
                               <a:extLst>
                                 <a:ext uri="{FF2B5EF4-FFF2-40B4-BE49-F238E27FC236}">
-                                  <a16:creationId xmlns:a16="http://schemas.microsoft.com/office/drawing/2014/main" id="{2D16FB9F-7CE6-230B-16F3-2AEE1F8D6771}"/>
+                                  <a16:creationId xmlns:a16="http://schemas.microsoft.com/office/drawing/2014/main" id="{783D20F9-182F-0FEE-0F4F-7F3B9726251B}"/>
                                 </a:ext>
                               </a:extLst>
                             </p:cNvPr>
@@ -4469,10 +4469,10 @@
                         </p:sp>
                         <p:cxnSp>
                           <p:nvCxnSpPr>
-                            <p:cNvPr id="142" name="Straight Arrow Connector 141">
+                            <p:cNvPr id="359" name="Straight Arrow Connector 358">
                               <a:extLst>
                                 <a:ext uri="{FF2B5EF4-FFF2-40B4-BE49-F238E27FC236}">
-                                  <a16:creationId xmlns:a16="http://schemas.microsoft.com/office/drawing/2014/main" id="{D4BFD473-463B-1ED1-D000-10AF4C372814}"/>
+                                  <a16:creationId xmlns:a16="http://schemas.microsoft.com/office/drawing/2014/main" id="{1AE40E2C-699A-6354-8265-22DA27812798}"/>
                                 </a:ext>
                               </a:extLst>
                             </p:cNvPr>
@@ -4515,10 +4515,10 @@
                         </p:cxnSp>
                         <p:sp>
                           <p:nvSpPr>
-                            <p:cNvPr id="143" name="TextBox 142">
+                            <p:cNvPr id="360" name="TextBox 359">
                               <a:extLst>
                                 <a:ext uri="{FF2B5EF4-FFF2-40B4-BE49-F238E27FC236}">
-                                  <a16:creationId xmlns:a16="http://schemas.microsoft.com/office/drawing/2014/main" id="{04A7D9A9-F1BB-511B-5FE6-B0F465D3A48F}"/>
+                                  <a16:creationId xmlns:a16="http://schemas.microsoft.com/office/drawing/2014/main" id="{7FAAB9B7-A2FC-807A-7953-839A0180CB3B}"/>
                                 </a:ext>
                               </a:extLst>
                             </p:cNvPr>
@@ -4582,10 +4582,10 @@
                         </p:sp>
                         <p:sp>
                           <p:nvSpPr>
-                            <p:cNvPr id="144" name="TextBox 143">
+                            <p:cNvPr id="361" name="TextBox 360">
                               <a:extLst>
                                 <a:ext uri="{FF2B5EF4-FFF2-40B4-BE49-F238E27FC236}">
-                                  <a16:creationId xmlns:a16="http://schemas.microsoft.com/office/drawing/2014/main" id="{68C5FF03-36BE-9EA4-09F0-47CC5E6DDC98}"/>
+                                  <a16:creationId xmlns:a16="http://schemas.microsoft.com/office/drawing/2014/main" id="{9EF112FD-5048-CAD3-3A28-193747B8258E}"/>
                                 </a:ext>
                               </a:extLst>
                             </p:cNvPr>
@@ -4633,16 +4633,16 @@
                         </p:sp>
                         <p:cxnSp>
                           <p:nvCxnSpPr>
-                            <p:cNvPr id="145" name="Straight Arrow Connector 144">
+                            <p:cNvPr id="362" name="Straight Arrow Connector 361">
                               <a:extLst>
                                 <a:ext uri="{FF2B5EF4-FFF2-40B4-BE49-F238E27FC236}">
-                                  <a16:creationId xmlns:a16="http://schemas.microsoft.com/office/drawing/2014/main" id="{22EA1988-2A0D-3178-7037-4292B98F4C3A}"/>
+                                  <a16:creationId xmlns:a16="http://schemas.microsoft.com/office/drawing/2014/main" id="{2EB1C2FF-5A1A-225C-9327-08F3434437FA}"/>
                                 </a:ext>
                               </a:extLst>
                             </p:cNvPr>
                             <p:cNvCxnSpPr>
                               <a:cxnSpLocks/>
-                              <a:endCxn id="144" idx="2"/>
+                              <a:endCxn id="361" idx="2"/>
                             </p:cNvCxnSpPr>
                             <p:nvPr/>
                           </p:nvCxnSpPr>
@@ -4681,17 +4681,17 @@
                         </p:cxnSp>
                         <p:cxnSp>
                           <p:nvCxnSpPr>
-                            <p:cNvPr id="146" name="Straight Arrow Connector 145">
+                            <p:cNvPr id="363" name="Straight Arrow Connector 362">
                               <a:extLst>
                                 <a:ext uri="{FF2B5EF4-FFF2-40B4-BE49-F238E27FC236}">
-                                  <a16:creationId xmlns:a16="http://schemas.microsoft.com/office/drawing/2014/main" id="{E013A0A7-6DA0-314C-9E59-3855C85AB3F5}"/>
+                                  <a16:creationId xmlns:a16="http://schemas.microsoft.com/office/drawing/2014/main" id="{23E75A5C-68A8-D9BB-7E29-F1801802353E}"/>
                                 </a:ext>
                               </a:extLst>
                             </p:cNvPr>
                             <p:cNvCxnSpPr>
                               <a:cxnSpLocks/>
-                              <a:stCxn id="147" idx="0"/>
-                              <a:endCxn id="144" idx="2"/>
+                              <a:stCxn id="364" idx="0"/>
+                              <a:endCxn id="361" idx="2"/>
                             </p:cNvCxnSpPr>
                             <p:nvPr/>
                           </p:nvCxnSpPr>
@@ -4730,10 +4730,10 @@
                         </p:cxnSp>
                         <p:sp>
                           <p:nvSpPr>
-                            <p:cNvPr id="147" name="TextBox 146">
+                            <p:cNvPr id="364" name="TextBox 363">
                               <a:extLst>
                                 <a:ext uri="{FF2B5EF4-FFF2-40B4-BE49-F238E27FC236}">
-                                  <a16:creationId xmlns:a16="http://schemas.microsoft.com/office/drawing/2014/main" id="{ECB9443C-5404-6748-B7EC-D750CA5A3C71}"/>
+                                  <a16:creationId xmlns:a16="http://schemas.microsoft.com/office/drawing/2014/main" id="{5BA00170-00AF-06EF-8E48-C08F726923FF}"/>
                                 </a:ext>
                               </a:extLst>
                             </p:cNvPr>
@@ -4794,10 +4794,10 @@
                         </p:sp>
                         <p:cxnSp>
                           <p:nvCxnSpPr>
-                            <p:cNvPr id="148" name="Straight Arrow Connector 147">
+                            <p:cNvPr id="365" name="Straight Arrow Connector 364">
                               <a:extLst>
                                 <a:ext uri="{FF2B5EF4-FFF2-40B4-BE49-F238E27FC236}">
-                                  <a16:creationId xmlns:a16="http://schemas.microsoft.com/office/drawing/2014/main" id="{5EB2BEEA-3444-0FE1-8DEC-DB3DAD9A148C}"/>
+                                  <a16:creationId xmlns:a16="http://schemas.microsoft.com/office/drawing/2014/main" id="{BA2B8C20-CD6D-DAF5-5AE7-95986D55818B}"/>
                                 </a:ext>
                               </a:extLst>
                             </p:cNvPr>
@@ -4841,10 +4841,10 @@
                         </p:cxnSp>
                         <p:sp>
                           <p:nvSpPr>
-                            <p:cNvPr id="149" name="TextBox 148">
+                            <p:cNvPr id="366" name="TextBox 365">
                               <a:extLst>
                                 <a:ext uri="{FF2B5EF4-FFF2-40B4-BE49-F238E27FC236}">
-                                  <a16:creationId xmlns:a16="http://schemas.microsoft.com/office/drawing/2014/main" id="{1A2F7A8F-F278-3387-AD17-CE8286A7D3F0}"/>
+                                  <a16:creationId xmlns:a16="http://schemas.microsoft.com/office/drawing/2014/main" id="{9C73317B-F17C-F9D1-D5AF-E5FAF38161FE}"/>
                                 </a:ext>
                               </a:extLst>
                             </p:cNvPr>
@@ -4882,10 +4882,10 @@
                         </p:sp>
                         <p:cxnSp>
                           <p:nvCxnSpPr>
-                            <p:cNvPr id="150" name="Straight Arrow Connector 149">
+                            <p:cNvPr id="367" name="Straight Arrow Connector 366">
                               <a:extLst>
                                 <a:ext uri="{FF2B5EF4-FFF2-40B4-BE49-F238E27FC236}">
-                                  <a16:creationId xmlns:a16="http://schemas.microsoft.com/office/drawing/2014/main" id="{0786D36D-53B6-15A3-4547-E0CA905CBD02}"/>
+                                  <a16:creationId xmlns:a16="http://schemas.microsoft.com/office/drawing/2014/main" id="{723C6F37-209E-313B-1383-58382C3B2AED}"/>
                                 </a:ext>
                               </a:extLst>
                             </p:cNvPr>
@@ -4929,10 +4929,10 @@
                         </p:cxnSp>
                         <p:sp>
                           <p:nvSpPr>
-                            <p:cNvPr id="151" name="TextBox 150">
+                            <p:cNvPr id="368" name="TextBox 367">
                               <a:extLst>
                                 <a:ext uri="{FF2B5EF4-FFF2-40B4-BE49-F238E27FC236}">
-                                  <a16:creationId xmlns:a16="http://schemas.microsoft.com/office/drawing/2014/main" id="{CFA87F9F-90E2-C6E7-1DF9-9F530AB54261}"/>
+                                  <a16:creationId xmlns:a16="http://schemas.microsoft.com/office/drawing/2014/main" id="{E59C46D4-90D7-6CAD-294D-9360C98A8268}"/>
                                 </a:ext>
                               </a:extLst>
                             </p:cNvPr>
@@ -4971,10 +4971,10 @@
                       </p:grpSp>
                       <p:sp>
                         <p:nvSpPr>
-                          <p:cNvPr id="112" name="TextBox 111">
+                          <p:cNvPr id="329" name="TextBox 328">
                             <a:extLst>
                               <a:ext uri="{FF2B5EF4-FFF2-40B4-BE49-F238E27FC236}">
-                                <a16:creationId xmlns:a16="http://schemas.microsoft.com/office/drawing/2014/main" id="{A4A56EFB-7D26-EA42-F473-E37873FBFC88}"/>
+                                <a16:creationId xmlns:a16="http://schemas.microsoft.com/office/drawing/2014/main" id="{398CD12A-22C0-1F4F-4CD7-B79F43EE3BF6}"/>
                               </a:ext>
                             </a:extLst>
                           </p:cNvPr>
@@ -4992,7 +4992,7 @@
                             <a:avLst/>
                           </a:prstGeom>
                           <a:solidFill>
-                            <a:schemeClr val="accent5"/>
+                            <a:schemeClr val="accent1"/>
                           </a:solidFill>
                           <a:ln>
                             <a:solidFill>
@@ -5051,10 +5051,10 @@
                       </p:sp>
                       <p:sp>
                         <p:nvSpPr>
-                          <p:cNvPr id="113" name="TextBox 112">
+                          <p:cNvPr id="330" name="TextBox 329">
                             <a:extLst>
                               <a:ext uri="{FF2B5EF4-FFF2-40B4-BE49-F238E27FC236}">
-                                <a16:creationId xmlns:a16="http://schemas.microsoft.com/office/drawing/2014/main" id="{F90DAFB8-1645-EBD3-FCBA-53D6E521B855}"/>
+                                <a16:creationId xmlns:a16="http://schemas.microsoft.com/office/drawing/2014/main" id="{278AC7E4-4417-851A-715D-BF40FC026080}"/>
                               </a:ext>
                             </a:extLst>
                           </p:cNvPr>
@@ -5129,10 +5129,10 @@
                         <mc:Choice Requires="a14">
                           <p:sp>
                             <p:nvSpPr>
-                              <p:cNvPr id="114" name="TextBox 113">
+                              <p:cNvPr id="331" name="TextBox 330">
                                 <a:extLst>
                                   <a:ext uri="{FF2B5EF4-FFF2-40B4-BE49-F238E27FC236}">
-                                    <a16:creationId xmlns:a16="http://schemas.microsoft.com/office/drawing/2014/main" id="{16761B85-6F99-21A0-6A3A-86D154FF8661}"/>
+                                    <a16:creationId xmlns:a16="http://schemas.microsoft.com/office/drawing/2014/main" id="{900154BD-1E8D-2C80-7926-5F064D7920B2}"/>
                                   </a:ext>
                                 </a:extLst>
                               </p:cNvPr>
@@ -5407,10 +5407,10 @@
                       </mc:AlternateContent>
                       <p:sp>
                         <p:nvSpPr>
-                          <p:cNvPr id="115" name="Right Brace 114">
+                          <p:cNvPr id="332" name="Right Brace 331">
                             <a:extLst>
                               <a:ext uri="{FF2B5EF4-FFF2-40B4-BE49-F238E27FC236}">
-                                <a16:creationId xmlns:a16="http://schemas.microsoft.com/office/drawing/2014/main" id="{13E0EFFD-4B98-B07C-232F-63475011FAA5}"/>
+                                <a16:creationId xmlns:a16="http://schemas.microsoft.com/office/drawing/2014/main" id="{CEECA989-4932-2576-BE23-24540A78662B}"/>
                               </a:ext>
                             </a:extLst>
                           </p:cNvPr>
@@ -5462,10 +5462,10 @@
                       </p:sp>
                       <p:sp>
                         <p:nvSpPr>
-                          <p:cNvPr id="116" name="TextBox 115">
+                          <p:cNvPr id="333" name="TextBox 332">
                             <a:extLst>
                               <a:ext uri="{FF2B5EF4-FFF2-40B4-BE49-F238E27FC236}">
-                                <a16:creationId xmlns:a16="http://schemas.microsoft.com/office/drawing/2014/main" id="{7AF6616E-9EB2-FF27-691B-7768EBD33BE0}"/>
+                                <a16:creationId xmlns:a16="http://schemas.microsoft.com/office/drawing/2014/main" id="{E8D73DC4-9216-313C-85F0-965636437F54}"/>
                               </a:ext>
                             </a:extLst>
                           </p:cNvPr>
@@ -5483,7 +5483,7 @@
                             <a:avLst/>
                           </a:prstGeom>
                           <a:solidFill>
-                            <a:schemeClr val="accent5"/>
+                            <a:schemeClr val="accent1"/>
                           </a:solidFill>
                           <a:ln>
                             <a:noFill/>
@@ -5524,10 +5524,10 @@
                       </p:sp>
                       <p:sp>
                         <p:nvSpPr>
-                          <p:cNvPr id="117" name="TextBox 116">
+                          <p:cNvPr id="334" name="TextBox 333">
                             <a:extLst>
                               <a:ext uri="{FF2B5EF4-FFF2-40B4-BE49-F238E27FC236}">
-                                <a16:creationId xmlns:a16="http://schemas.microsoft.com/office/drawing/2014/main" id="{EAE6D915-E4D6-9D29-461A-168686836205}"/>
+                                <a16:creationId xmlns:a16="http://schemas.microsoft.com/office/drawing/2014/main" id="{13194D42-3908-E758-D49C-A45D848BF0C2}"/>
                               </a:ext>
                             </a:extLst>
                           </p:cNvPr>
@@ -5565,10 +5565,10 @@
                       </p:sp>
                       <p:cxnSp>
                         <p:nvCxnSpPr>
-                          <p:cNvPr id="118" name="Straight Arrow Connector 117">
+                          <p:cNvPr id="335" name="Straight Arrow Connector 334">
                             <a:extLst>
                               <a:ext uri="{FF2B5EF4-FFF2-40B4-BE49-F238E27FC236}">
-                                <a16:creationId xmlns:a16="http://schemas.microsoft.com/office/drawing/2014/main" id="{50DB7C89-B416-8241-D1E5-6330DADC778D}"/>
+                                <a16:creationId xmlns:a16="http://schemas.microsoft.com/office/drawing/2014/main" id="{B6D70A9C-E164-3FA7-DC30-52EC7307D4F0}"/>
                               </a:ext>
                             </a:extLst>
                           </p:cNvPr>
@@ -5611,10 +5611,10 @@
                       </p:cxnSp>
                       <p:sp>
                         <p:nvSpPr>
-                          <p:cNvPr id="119" name="TextBox 118">
+                          <p:cNvPr id="336" name="TextBox 335">
                             <a:extLst>
                               <a:ext uri="{FF2B5EF4-FFF2-40B4-BE49-F238E27FC236}">
-                                <a16:creationId xmlns:a16="http://schemas.microsoft.com/office/drawing/2014/main" id="{724CA244-E6C0-9896-DAC3-73F89A266FEA}"/>
+                                <a16:creationId xmlns:a16="http://schemas.microsoft.com/office/drawing/2014/main" id="{FAAF144C-7C37-C87E-9686-A017D3BF85DB}"/>
                               </a:ext>
                             </a:extLst>
                           </p:cNvPr>
@@ -5652,10 +5652,10 @@
                       </p:sp>
                       <p:cxnSp>
                         <p:nvCxnSpPr>
-                          <p:cNvPr id="120" name="Straight Arrow Connector 119">
+                          <p:cNvPr id="337" name="Straight Arrow Connector 336">
                             <a:extLst>
                               <a:ext uri="{FF2B5EF4-FFF2-40B4-BE49-F238E27FC236}">
-                                <a16:creationId xmlns:a16="http://schemas.microsoft.com/office/drawing/2014/main" id="{8C958E5F-0C6E-4CEA-8B4E-E5BA01C21985}"/>
+                                <a16:creationId xmlns:a16="http://schemas.microsoft.com/office/drawing/2014/main" id="{AA632C2C-D775-2267-26A9-1DC7C4ED8A2D}"/>
                               </a:ext>
                             </a:extLst>
                           </p:cNvPr>
@@ -5698,10 +5698,10 @@
                       </p:cxnSp>
                       <p:sp>
                         <p:nvSpPr>
-                          <p:cNvPr id="121" name="TextBox 120">
+                          <p:cNvPr id="338" name="TextBox 337">
                             <a:extLst>
                               <a:ext uri="{FF2B5EF4-FFF2-40B4-BE49-F238E27FC236}">
-                                <a16:creationId xmlns:a16="http://schemas.microsoft.com/office/drawing/2014/main" id="{2A8E80BC-665A-A10E-0BE7-020B3BD5D720}"/>
+                                <a16:creationId xmlns:a16="http://schemas.microsoft.com/office/drawing/2014/main" id="{388AB056-B2CA-012A-0B3B-1879A7BB030F}"/>
                               </a:ext>
                             </a:extLst>
                           </p:cNvPr>
@@ -5749,10 +5749,10 @@
                       </p:sp>
                       <p:cxnSp>
                         <p:nvCxnSpPr>
-                          <p:cNvPr id="122" name="Straight Arrow Connector 121">
+                          <p:cNvPr id="339" name="Straight Arrow Connector 338">
                             <a:extLst>
                               <a:ext uri="{FF2B5EF4-FFF2-40B4-BE49-F238E27FC236}">
-                                <a16:creationId xmlns:a16="http://schemas.microsoft.com/office/drawing/2014/main" id="{69EFAFE1-B303-5B86-17BB-DFA80BEE675B}"/>
+                                <a16:creationId xmlns:a16="http://schemas.microsoft.com/office/drawing/2014/main" id="{7E2EFEC7-5877-B0FF-2FC5-059B45B68C07}"/>
                               </a:ext>
                             </a:extLst>
                           </p:cNvPr>
@@ -5795,10 +5795,10 @@
                       </p:cxnSp>
                       <p:sp>
                         <p:nvSpPr>
-                          <p:cNvPr id="123" name="TextBox 122">
+                          <p:cNvPr id="340" name="TextBox 339">
                             <a:extLst>
                               <a:ext uri="{FF2B5EF4-FFF2-40B4-BE49-F238E27FC236}">
-                                <a16:creationId xmlns:a16="http://schemas.microsoft.com/office/drawing/2014/main" id="{F0EB914F-75AA-D4F7-E5A3-2B12156974DE}"/>
+                                <a16:creationId xmlns:a16="http://schemas.microsoft.com/office/drawing/2014/main" id="{28B5E0A6-3676-3564-3559-75472EAECDA6}"/>
                               </a:ext>
                             </a:extLst>
                           </p:cNvPr>
@@ -5846,16 +5846,16 @@
                       </p:sp>
                       <p:cxnSp>
                         <p:nvCxnSpPr>
-                          <p:cNvPr id="124" name="Straight Arrow Connector 123">
+                          <p:cNvPr id="341" name="Straight Arrow Connector 340">
                             <a:extLst>
                               <a:ext uri="{FF2B5EF4-FFF2-40B4-BE49-F238E27FC236}">
-                                <a16:creationId xmlns:a16="http://schemas.microsoft.com/office/drawing/2014/main" id="{62D94705-D20A-D83D-DCA6-6D532472B042}"/>
+                                <a16:creationId xmlns:a16="http://schemas.microsoft.com/office/drawing/2014/main" id="{EE3169BA-580F-5D50-34F6-72B4F6F9D0B8}"/>
                               </a:ext>
                             </a:extLst>
                           </p:cNvPr>
                           <p:cNvCxnSpPr>
                             <a:cxnSpLocks/>
-                            <a:endCxn id="123" idx="2"/>
+                            <a:endCxn id="340" idx="2"/>
                           </p:cNvCxnSpPr>
                           <p:nvPr/>
                         </p:nvCxnSpPr>
@@ -5894,10 +5894,10 @@
                       </p:cxnSp>
                       <p:sp>
                         <p:nvSpPr>
-                          <p:cNvPr id="125" name="TextBox 124">
+                          <p:cNvPr id="342" name="TextBox 341">
                             <a:extLst>
                               <a:ext uri="{FF2B5EF4-FFF2-40B4-BE49-F238E27FC236}">
-                                <a16:creationId xmlns:a16="http://schemas.microsoft.com/office/drawing/2014/main" id="{DC2A7D5C-B153-5CCA-023E-6BAFC9D6FB32}"/>
+                                <a16:creationId xmlns:a16="http://schemas.microsoft.com/office/drawing/2014/main" id="{1BDC72F3-AB5B-5C3C-6AA3-410BCCA05F5C}"/>
                               </a:ext>
                             </a:extLst>
                           </p:cNvPr>
@@ -5958,10 +5958,10 @@
                       </p:sp>
                       <p:cxnSp>
                         <p:nvCxnSpPr>
-                          <p:cNvPr id="126" name="Straight Arrow Connector 125">
+                          <p:cNvPr id="343" name="Straight Arrow Connector 342">
                             <a:extLst>
                               <a:ext uri="{FF2B5EF4-FFF2-40B4-BE49-F238E27FC236}">
-                                <a16:creationId xmlns:a16="http://schemas.microsoft.com/office/drawing/2014/main" id="{FCAE5A45-2FFF-45F1-4E7B-21E5DC976158}"/>
+                                <a16:creationId xmlns:a16="http://schemas.microsoft.com/office/drawing/2014/main" id="{0F356B13-E24B-AEC2-E2DD-B8CA6788AA27}"/>
                               </a:ext>
                             </a:extLst>
                           </p:cNvPr>
@@ -6005,10 +6005,10 @@
                       </p:cxnSp>
                       <p:sp>
                         <p:nvSpPr>
-                          <p:cNvPr id="127" name="TextBox 126">
+                          <p:cNvPr id="344" name="TextBox 343">
                             <a:extLst>
                               <a:ext uri="{FF2B5EF4-FFF2-40B4-BE49-F238E27FC236}">
-                                <a16:creationId xmlns:a16="http://schemas.microsoft.com/office/drawing/2014/main" id="{0A962EFA-1764-DA37-5B5D-04B1D42D1726}"/>
+                                <a16:creationId xmlns:a16="http://schemas.microsoft.com/office/drawing/2014/main" id="{8CD9D64B-044A-3984-12D7-84F56466473A}"/>
                               </a:ext>
                             </a:extLst>
                           </p:cNvPr>
@@ -6046,10 +6046,10 @@
                       </p:sp>
                       <p:cxnSp>
                         <p:nvCxnSpPr>
-                          <p:cNvPr id="128" name="Straight Arrow Connector 127">
+                          <p:cNvPr id="345" name="Straight Arrow Connector 344">
                             <a:extLst>
                               <a:ext uri="{FF2B5EF4-FFF2-40B4-BE49-F238E27FC236}">
-                                <a16:creationId xmlns:a16="http://schemas.microsoft.com/office/drawing/2014/main" id="{E6E1EF8D-6960-6B28-EE41-30CD36D73761}"/>
+                                <a16:creationId xmlns:a16="http://schemas.microsoft.com/office/drawing/2014/main" id="{994386AC-8630-DAC5-37D4-7D6E2F45589B}"/>
                               </a:ext>
                             </a:extLst>
                           </p:cNvPr>
@@ -6093,10 +6093,10 @@
                       </p:cxnSp>
                       <p:sp>
                         <p:nvSpPr>
-                          <p:cNvPr id="129" name="TextBox 128">
+                          <p:cNvPr id="346" name="TextBox 345">
                             <a:extLst>
                               <a:ext uri="{FF2B5EF4-FFF2-40B4-BE49-F238E27FC236}">
-                                <a16:creationId xmlns:a16="http://schemas.microsoft.com/office/drawing/2014/main" id="{AD6085CB-6E74-DA43-746A-E4F9CEB449F7}"/>
+                                <a16:creationId xmlns:a16="http://schemas.microsoft.com/office/drawing/2014/main" id="{F214CF07-B4E2-E5D1-FAB6-C4B81CB1E0F2}"/>
                               </a:ext>
                             </a:extLst>
                           </p:cNvPr>
@@ -6134,10 +6134,10 @@
                       </p:sp>
                       <p:sp>
                         <p:nvSpPr>
-                          <p:cNvPr id="130" name="Right Brace 129">
+                          <p:cNvPr id="347" name="Right Brace 346">
                             <a:extLst>
                               <a:ext uri="{FF2B5EF4-FFF2-40B4-BE49-F238E27FC236}">
-                                <a16:creationId xmlns:a16="http://schemas.microsoft.com/office/drawing/2014/main" id="{831D48D7-F5DE-2151-7F52-0C1D9ECC65F6}"/>
+                                <a16:creationId xmlns:a16="http://schemas.microsoft.com/office/drawing/2014/main" id="{A9DE7AF0-862F-BF2D-0B8B-7D9681C9C7B7}"/>
                               </a:ext>
                             </a:extLst>
                           </p:cNvPr>
@@ -6189,10 +6189,10 @@
                       </p:sp>
                       <p:sp>
                         <p:nvSpPr>
-                          <p:cNvPr id="131" name="TextBox 130">
+                          <p:cNvPr id="348" name="TextBox 347">
                             <a:extLst>
                               <a:ext uri="{FF2B5EF4-FFF2-40B4-BE49-F238E27FC236}">
-                                <a16:creationId xmlns:a16="http://schemas.microsoft.com/office/drawing/2014/main" id="{CE1F1A72-4908-6F07-5EEC-C50CAF75D811}"/>
+                                <a16:creationId xmlns:a16="http://schemas.microsoft.com/office/drawing/2014/main" id="{00FC7E16-AF0A-547F-6566-7DD39D0B82B6}"/>
                               </a:ext>
                             </a:extLst>
                           </p:cNvPr>
@@ -6262,10 +6262,10 @@
                       </p:sp>
                       <p:sp>
                         <p:nvSpPr>
-                          <p:cNvPr id="132" name="Right Brace 131">
+                          <p:cNvPr id="349" name="Right Brace 348">
                             <a:extLst>
                               <a:ext uri="{FF2B5EF4-FFF2-40B4-BE49-F238E27FC236}">
-                                <a16:creationId xmlns:a16="http://schemas.microsoft.com/office/drawing/2014/main" id="{15CA1844-4520-CC51-418E-932F8D0B25E2}"/>
+                                <a16:creationId xmlns:a16="http://schemas.microsoft.com/office/drawing/2014/main" id="{DCB6BCB0-584C-F8D0-D218-1372A66D3F7D}"/>
                               </a:ext>
                             </a:extLst>
                           </p:cNvPr>
@@ -6317,10 +6317,10 @@
                       </p:sp>
                       <p:sp>
                         <p:nvSpPr>
-                          <p:cNvPr id="133" name="Right Brace 132">
+                          <p:cNvPr id="350" name="Right Brace 349">
                             <a:extLst>
                               <a:ext uri="{FF2B5EF4-FFF2-40B4-BE49-F238E27FC236}">
-                                <a16:creationId xmlns:a16="http://schemas.microsoft.com/office/drawing/2014/main" id="{1DE86431-5B75-BF13-6A76-1B3EFC5ABB5B}"/>
+                                <a16:creationId xmlns:a16="http://schemas.microsoft.com/office/drawing/2014/main" id="{F8329BEC-94CA-FCB5-05F8-DB076AD08995}"/>
                               </a:ext>
                             </a:extLst>
                           </p:cNvPr>
@@ -6372,10 +6372,10 @@
                       </p:sp>
                       <p:sp>
                         <p:nvSpPr>
-                          <p:cNvPr id="134" name="TextBox 133">
+                          <p:cNvPr id="351" name="TextBox 350">
                             <a:extLst>
                               <a:ext uri="{FF2B5EF4-FFF2-40B4-BE49-F238E27FC236}">
-                                <a16:creationId xmlns:a16="http://schemas.microsoft.com/office/drawing/2014/main" id="{C991C201-2F0F-4E13-8196-724CF5098123}"/>
+                                <a16:creationId xmlns:a16="http://schemas.microsoft.com/office/drawing/2014/main" id="{59E38402-AAB8-6DE4-F86C-110C100626D2}"/>
                               </a:ext>
                             </a:extLst>
                           </p:cNvPr>
@@ -6448,10 +6448,10 @@
                       </p:sp>
                       <p:sp>
                         <p:nvSpPr>
-                          <p:cNvPr id="135" name="TextBox 134">
+                          <p:cNvPr id="352" name="TextBox 351">
                             <a:extLst>
                               <a:ext uri="{FF2B5EF4-FFF2-40B4-BE49-F238E27FC236}">
-                                <a16:creationId xmlns:a16="http://schemas.microsoft.com/office/drawing/2014/main" id="{2F2264FE-62E7-EC5A-D16D-BE72AD9D1AC7}"/>
+                                <a16:creationId xmlns:a16="http://schemas.microsoft.com/office/drawing/2014/main" id="{432A6CC2-7007-917F-1CC3-0B93BF4C324B}"/>
                               </a:ext>
                             </a:extLst>
                           </p:cNvPr>
@@ -6489,10 +6489,10 @@
                       </p:sp>
                       <p:sp>
                         <p:nvSpPr>
-                          <p:cNvPr id="136" name="TextBox 135">
+                          <p:cNvPr id="353" name="TextBox 352">
                             <a:extLst>
                               <a:ext uri="{FF2B5EF4-FFF2-40B4-BE49-F238E27FC236}">
-                                <a16:creationId xmlns:a16="http://schemas.microsoft.com/office/drawing/2014/main" id="{60C7C8CB-C74D-8162-7C68-225C01A975E7}"/>
+                                <a16:creationId xmlns:a16="http://schemas.microsoft.com/office/drawing/2014/main" id="{47274A03-20CA-411B-43FF-AA161166B41A}"/>
                               </a:ext>
                             </a:extLst>
                           </p:cNvPr>
@@ -6532,10 +6532,10 @@
                   </p:grpSp>
                   <p:cxnSp>
                     <p:nvCxnSpPr>
-                      <p:cNvPr id="104" name="Straight Arrow Connector 103">
+                      <p:cNvPr id="321" name="Straight Arrow Connector 320">
                         <a:extLst>
                           <a:ext uri="{FF2B5EF4-FFF2-40B4-BE49-F238E27FC236}">
-                            <a16:creationId xmlns:a16="http://schemas.microsoft.com/office/drawing/2014/main" id="{2BA27617-1C1A-CF16-8365-47C82E9356F4}"/>
+                            <a16:creationId xmlns:a16="http://schemas.microsoft.com/office/drawing/2014/main" id="{67A2ADC7-EA62-5811-3268-3326488F5070}"/>
                           </a:ext>
                         </a:extLst>
                       </p:cNvPr>
@@ -6554,7 +6554,7 @@
                       </a:prstGeom>
                       <a:ln w="12700" cap="flat">
                         <a:solidFill>
-                          <a:schemeClr val="accent5"/>
+                          <a:schemeClr val="accent1"/>
                         </a:solidFill>
                         <a:prstDash val="solid"/>
                         <a:bevel/>
@@ -6580,10 +6580,10 @@
                 </p:grpSp>
                 <p:sp>
                   <p:nvSpPr>
-                    <p:cNvPr id="102" name="TextBox 101">
+                    <p:cNvPr id="319" name="TextBox 318">
                       <a:extLst>
                         <a:ext uri="{FF2B5EF4-FFF2-40B4-BE49-F238E27FC236}">
-                          <a16:creationId xmlns:a16="http://schemas.microsoft.com/office/drawing/2014/main" id="{505498B6-1E9E-B36C-CE30-9F708E7FCA77}"/>
+                          <a16:creationId xmlns:a16="http://schemas.microsoft.com/office/drawing/2014/main" id="{2DFA1B97-6D51-0962-7A5F-F13D4C4354C5}"/>
                         </a:ext>
                       </a:extLst>
                     </p:cNvPr>
@@ -6601,7 +6601,7 @@
                       <a:avLst/>
                     </a:prstGeom>
                     <a:solidFill>
-                      <a:schemeClr val="accent5"/>
+                      <a:schemeClr val="accent1"/>
                     </a:solidFill>
                     <a:ln>
                       <a:solidFill>
@@ -6667,10 +6667,10 @@
               </p:grpSp>
               <p:cxnSp>
                 <p:nvCxnSpPr>
-                  <p:cNvPr id="100" name="Straight Arrow Connector 99">
+                  <p:cNvPr id="317" name="Straight Arrow Connector 316">
                     <a:extLst>
                       <a:ext uri="{FF2B5EF4-FFF2-40B4-BE49-F238E27FC236}">
-                        <a16:creationId xmlns:a16="http://schemas.microsoft.com/office/drawing/2014/main" id="{6F34DC70-216A-03FF-2BEE-C9AE3B6F4207}"/>
+                        <a16:creationId xmlns:a16="http://schemas.microsoft.com/office/drawing/2014/main" id="{1338E8F0-3F30-C1EE-0C54-A2E3AB55CA4C}"/>
                       </a:ext>
                     </a:extLst>
                   </p:cNvPr>
@@ -6689,7 +6689,7 @@
                   </a:prstGeom>
                   <a:ln w="12700" cap="flat">
                     <a:solidFill>
-                      <a:schemeClr val="accent5"/>
+                      <a:schemeClr val="accent1"/>
                     </a:solidFill>
                     <a:prstDash val="solid"/>
                     <a:bevel/>
@@ -6715,10 +6715,10 @@
             </p:grpSp>
             <p:grpSp>
               <p:nvGrpSpPr>
-                <p:cNvPr id="91" name="Group 90">
+                <p:cNvPr id="155" name="Group 154">
                   <a:extLst>
                     <a:ext uri="{FF2B5EF4-FFF2-40B4-BE49-F238E27FC236}">
-                      <a16:creationId xmlns:a16="http://schemas.microsoft.com/office/drawing/2014/main" id="{AC787449-C929-E747-F15A-BEDF8B503145}"/>
+                      <a16:creationId xmlns:a16="http://schemas.microsoft.com/office/drawing/2014/main" id="{E975DA02-5552-58AE-63A6-28041C86839F}"/>
                     </a:ext>
                   </a:extLst>
                 </p:cNvPr>
@@ -6737,10 +6737,10 @@
               </p:grpSpPr>
               <p:sp>
                 <p:nvSpPr>
-                  <p:cNvPr id="92" name="Rectangle 91">
+                  <p:cNvPr id="156" name="Rectangle 155">
                     <a:extLst>
                       <a:ext uri="{FF2B5EF4-FFF2-40B4-BE49-F238E27FC236}">
-                        <a16:creationId xmlns:a16="http://schemas.microsoft.com/office/drawing/2014/main" id="{5D5F91BA-5EAA-04C2-719C-8E6C545F99F2}"/>
+                        <a16:creationId xmlns:a16="http://schemas.microsoft.com/office/drawing/2014/main" id="{6F2C5CEF-E789-A959-768C-71C4BDC07ADD}"/>
                       </a:ext>
                     </a:extLst>
                   </p:cNvPr>
@@ -6795,10 +6795,10 @@
               </p:sp>
               <p:sp>
                 <p:nvSpPr>
-                  <p:cNvPr id="93" name="TextBox 92">
+                  <p:cNvPr id="157" name="TextBox 156">
                     <a:extLst>
                       <a:ext uri="{FF2B5EF4-FFF2-40B4-BE49-F238E27FC236}">
-                        <a16:creationId xmlns:a16="http://schemas.microsoft.com/office/drawing/2014/main" id="{E5CD1E39-E4C0-E3A9-3544-2A65875D4B53}"/>
+                        <a16:creationId xmlns:a16="http://schemas.microsoft.com/office/drawing/2014/main" id="{B2E6E026-370A-3EBC-CC58-3D2392693C30}"/>
                       </a:ext>
                     </a:extLst>
                   </p:cNvPr>
@@ -6874,10 +6874,10 @@
               </p:sp>
               <p:sp>
                 <p:nvSpPr>
-                  <p:cNvPr id="94" name="TextBox 93">
+                  <p:cNvPr id="158" name="TextBox 157">
                     <a:extLst>
                       <a:ext uri="{FF2B5EF4-FFF2-40B4-BE49-F238E27FC236}">
-                        <a16:creationId xmlns:a16="http://schemas.microsoft.com/office/drawing/2014/main" id="{05350989-B570-EA75-6250-C6B572D936B1}"/>
+                        <a16:creationId xmlns:a16="http://schemas.microsoft.com/office/drawing/2014/main" id="{655ADE54-2EE9-52DB-2AD0-87BAAFBD9664}"/>
                       </a:ext>
                     </a:extLst>
                   </p:cNvPr>
@@ -6954,10 +6954,10 @@
               </p:sp>
               <p:sp>
                 <p:nvSpPr>
-                  <p:cNvPr id="95" name="TextBox 94">
+                  <p:cNvPr id="312" name="TextBox 311">
                     <a:extLst>
                       <a:ext uri="{FF2B5EF4-FFF2-40B4-BE49-F238E27FC236}">
-                        <a16:creationId xmlns:a16="http://schemas.microsoft.com/office/drawing/2014/main" id="{D53B4482-D53D-C6DC-216A-BD9DE63BA613}"/>
+                        <a16:creationId xmlns:a16="http://schemas.microsoft.com/office/drawing/2014/main" id="{A60462C2-98B1-073C-2A3D-EB4530B37B65}"/>
                       </a:ext>
                     </a:extLst>
                   </p:cNvPr>
@@ -7016,10 +7016,10 @@
               </p:sp>
               <p:cxnSp>
                 <p:nvCxnSpPr>
-                  <p:cNvPr id="96" name="Straight Arrow Connector 95">
+                  <p:cNvPr id="313" name="Straight Arrow Connector 312">
                     <a:extLst>
                       <a:ext uri="{FF2B5EF4-FFF2-40B4-BE49-F238E27FC236}">
-                        <a16:creationId xmlns:a16="http://schemas.microsoft.com/office/drawing/2014/main" id="{6F6DC2B7-96BF-851C-D08E-7717D9581461}"/>
+                        <a16:creationId xmlns:a16="http://schemas.microsoft.com/office/drawing/2014/main" id="{59DCDF7E-B7C3-76A0-3611-B08A564B32B9}"/>
                       </a:ext>
                     </a:extLst>
                   </p:cNvPr>
@@ -7063,10 +7063,10 @@
               </p:cxnSp>
               <p:sp>
                 <p:nvSpPr>
-                  <p:cNvPr id="97" name="TextBox 96">
+                  <p:cNvPr id="314" name="TextBox 313">
                     <a:extLst>
                       <a:ext uri="{FF2B5EF4-FFF2-40B4-BE49-F238E27FC236}">
-                        <a16:creationId xmlns:a16="http://schemas.microsoft.com/office/drawing/2014/main" id="{4A0D3975-4597-670D-9EEA-FA3FE3BEF9EB}"/>
+                        <a16:creationId xmlns:a16="http://schemas.microsoft.com/office/drawing/2014/main" id="{05333AA0-B523-EC0D-76DA-873BE1B1BF10}"/>
                       </a:ext>
                     </a:extLst>
                   </p:cNvPr>
@@ -7149,10 +7149,10 @@
               </p:sp>
               <p:cxnSp>
                 <p:nvCxnSpPr>
-                  <p:cNvPr id="98" name="Straight Arrow Connector 97">
+                  <p:cNvPr id="315" name="Straight Arrow Connector 314">
                     <a:extLst>
                       <a:ext uri="{FF2B5EF4-FFF2-40B4-BE49-F238E27FC236}">
-                        <a16:creationId xmlns:a16="http://schemas.microsoft.com/office/drawing/2014/main" id="{456C34D4-FDB2-937F-3541-30EAAC38660E}"/>
+                        <a16:creationId xmlns:a16="http://schemas.microsoft.com/office/drawing/2014/main" id="{5DE88AF6-7505-ECC3-920D-EAC518E8ABD6}"/>
                       </a:ext>
                     </a:extLst>
                   </p:cNvPr>
@@ -7202,7 +7202,7 @@
             <p:cNvPr id="6" name="Group 5">
               <a:extLst>
                 <a:ext uri="{FF2B5EF4-FFF2-40B4-BE49-F238E27FC236}">
-                  <a16:creationId xmlns:a16="http://schemas.microsoft.com/office/drawing/2014/main" id="{12369A7A-6DE5-E379-93BA-7730AE350CB6}"/>
+                  <a16:creationId xmlns:a16="http://schemas.microsoft.com/office/drawing/2014/main" id="{B2D35D9E-1D91-39F0-5095-E4E6F7995CC3}"/>
                 </a:ext>
               </a:extLst>
             </p:cNvPr>
@@ -7224,7 +7224,7 @@
               <p:cNvPr id="21" name="Group 20">
                 <a:extLst>
                   <a:ext uri="{FF2B5EF4-FFF2-40B4-BE49-F238E27FC236}">
-                    <a16:creationId xmlns:a16="http://schemas.microsoft.com/office/drawing/2014/main" id="{549C682E-8A6B-C284-6DD2-2B88EB515258}"/>
+                    <a16:creationId xmlns:a16="http://schemas.microsoft.com/office/drawing/2014/main" id="{29E85B21-F8BC-B09E-6AC7-BC767BE9A3D6}"/>
                   </a:ext>
                 </a:extLst>
               </p:cNvPr>
@@ -7246,7 +7246,7 @@
                 <p:cNvPr id="29" name="Group 28">
                   <a:extLst>
                     <a:ext uri="{FF2B5EF4-FFF2-40B4-BE49-F238E27FC236}">
-                      <a16:creationId xmlns:a16="http://schemas.microsoft.com/office/drawing/2014/main" id="{BE5954EF-A5ED-5479-B899-ED4D077EA967}"/>
+                      <a16:creationId xmlns:a16="http://schemas.microsoft.com/office/drawing/2014/main" id="{048BD496-7DF5-4D4E-8FF1-4959D88AC992}"/>
                     </a:ext>
                   </a:extLst>
                 </p:cNvPr>
@@ -7268,7 +7268,7 @@
                   <p:cNvPr id="34" name="Group 33">
                     <a:extLst>
                       <a:ext uri="{FF2B5EF4-FFF2-40B4-BE49-F238E27FC236}">
-                        <a16:creationId xmlns:a16="http://schemas.microsoft.com/office/drawing/2014/main" id="{098E1592-B0D1-B418-4756-BE2F7CB1F511}"/>
+                        <a16:creationId xmlns:a16="http://schemas.microsoft.com/office/drawing/2014/main" id="{E9E723C1-2315-E5B5-4145-75A2B70F260F}"/>
                       </a:ext>
                     </a:extLst>
                   </p:cNvPr>
@@ -7290,7 +7290,7 @@
                     <p:cNvPr id="36" name="Group 35">
                       <a:extLst>
                         <a:ext uri="{FF2B5EF4-FFF2-40B4-BE49-F238E27FC236}">
-                          <a16:creationId xmlns:a16="http://schemas.microsoft.com/office/drawing/2014/main" id="{A4BA59DC-47D8-208B-78EA-8A913C8B658A}"/>
+                          <a16:creationId xmlns:a16="http://schemas.microsoft.com/office/drawing/2014/main" id="{F1977990-C136-ABEA-E632-BC19C09B206C}"/>
                         </a:ext>
                       </a:extLst>
                     </p:cNvPr>
@@ -7312,7 +7312,7 @@
                       <p:cNvPr id="40" name="Group 39">
                         <a:extLst>
                           <a:ext uri="{FF2B5EF4-FFF2-40B4-BE49-F238E27FC236}">
-                            <a16:creationId xmlns:a16="http://schemas.microsoft.com/office/drawing/2014/main" id="{9F3F9466-A62D-9B69-04DE-7B4A23A03F0C}"/>
+                            <a16:creationId xmlns:a16="http://schemas.microsoft.com/office/drawing/2014/main" id="{6EFBDC7E-D3B1-93C5-17E9-6C8E06F1371D}"/>
                           </a:ext>
                         </a:extLst>
                       </p:cNvPr>
@@ -7334,7 +7334,7 @@
                         <p:cNvPr id="42" name="Group 41">
                           <a:extLst>
                             <a:ext uri="{FF2B5EF4-FFF2-40B4-BE49-F238E27FC236}">
-                              <a16:creationId xmlns:a16="http://schemas.microsoft.com/office/drawing/2014/main" id="{5D3893B5-9BE8-8551-7D93-B24975B2B7D2}"/>
+                              <a16:creationId xmlns:a16="http://schemas.microsoft.com/office/drawing/2014/main" id="{A0A47C86-01C9-DC8C-61E9-1DB099AC2ED4}"/>
                             </a:ext>
                           </a:extLst>
                         </p:cNvPr>
@@ -7356,7 +7356,7 @@
                           <p:cNvPr id="63" name="Group 62">
                             <a:extLst>
                               <a:ext uri="{FF2B5EF4-FFF2-40B4-BE49-F238E27FC236}">
-                                <a16:creationId xmlns:a16="http://schemas.microsoft.com/office/drawing/2014/main" id="{E898AC73-E7A8-031E-1D70-8A22AC4E6A93}"/>
+                                <a16:creationId xmlns:a16="http://schemas.microsoft.com/office/drawing/2014/main" id="{B8C80E6E-BBBB-3A5F-6F18-6227AD7E7507}"/>
                               </a:ext>
                             </a:extLst>
                           </p:cNvPr>
@@ -7375,10 +7375,10 @@
                         </p:grpSpPr>
                         <p:grpSp>
                           <p:nvGrpSpPr>
-                            <p:cNvPr id="79" name="Group 78">
+                            <p:cNvPr id="143" name="Group 142">
                               <a:extLst>
                                 <a:ext uri="{FF2B5EF4-FFF2-40B4-BE49-F238E27FC236}">
-                                  <a16:creationId xmlns:a16="http://schemas.microsoft.com/office/drawing/2014/main" id="{37078BDF-4470-2F95-C64E-4F3ED03991C5}"/>
+                                  <a16:creationId xmlns:a16="http://schemas.microsoft.com/office/drawing/2014/main" id="{6224DE7B-D5B2-B716-93D5-1384B21F8603}"/>
                                 </a:ext>
                               </a:extLst>
                             </p:cNvPr>
@@ -7397,10 +7397,10 @@
                           </p:grpSpPr>
                           <p:sp>
                             <p:nvSpPr>
-                              <p:cNvPr id="81" name="Rectangle 80">
+                              <p:cNvPr id="145" name="Rectangle 144">
                                 <a:extLst>
                                   <a:ext uri="{FF2B5EF4-FFF2-40B4-BE49-F238E27FC236}">
-                                    <a16:creationId xmlns:a16="http://schemas.microsoft.com/office/drawing/2014/main" id="{072CB536-2B55-05B5-AC01-2678C75E4A9E}"/>
+                                    <a16:creationId xmlns:a16="http://schemas.microsoft.com/office/drawing/2014/main" id="{D9D9417F-4B28-AA08-086E-7E3EC71BB62B}"/>
                                   </a:ext>
                                 </a:extLst>
                               </p:cNvPr>
@@ -7455,10 +7455,10 @@
                           </p:sp>
                           <p:grpSp>
                             <p:nvGrpSpPr>
-                              <p:cNvPr id="82" name="Group 81">
+                              <p:cNvPr id="146" name="Group 145">
                                 <a:extLst>
                                   <a:ext uri="{FF2B5EF4-FFF2-40B4-BE49-F238E27FC236}">
-                                    <a16:creationId xmlns:a16="http://schemas.microsoft.com/office/drawing/2014/main" id="{4D4FA5BC-FFED-D695-4E98-6C9AAAC6D247}"/>
+                                    <a16:creationId xmlns:a16="http://schemas.microsoft.com/office/drawing/2014/main" id="{B4C47260-F553-A3DB-CB97-A5C666D5F8C5}"/>
                                   </a:ext>
                                 </a:extLst>
                               </p:cNvPr>
@@ -7477,10 +7477,10 @@
                             </p:grpSpPr>
                             <p:sp>
                               <p:nvSpPr>
-                                <p:cNvPr id="83" name="TextBox 82">
+                                <p:cNvPr id="147" name="TextBox 146">
                                   <a:extLst>
                                     <a:ext uri="{FF2B5EF4-FFF2-40B4-BE49-F238E27FC236}">
-                                      <a16:creationId xmlns:a16="http://schemas.microsoft.com/office/drawing/2014/main" id="{06C7786F-3341-7A3B-903A-023BF7B5ADCA}"/>
+                                      <a16:creationId xmlns:a16="http://schemas.microsoft.com/office/drawing/2014/main" id="{214A4791-18E8-351C-A6DA-C86CD6FDBE91}"/>
                                     </a:ext>
                                   </a:extLst>
                                 </p:cNvPr>
@@ -7539,10 +7539,10 @@
                             </p:sp>
                             <p:sp>
                               <p:nvSpPr>
-                                <p:cNvPr id="84" name="TextBox 83">
+                                <p:cNvPr id="148" name="TextBox 147">
                                   <a:extLst>
                                     <a:ext uri="{FF2B5EF4-FFF2-40B4-BE49-F238E27FC236}">
-                                      <a16:creationId xmlns:a16="http://schemas.microsoft.com/office/drawing/2014/main" id="{433D29C4-DB27-A5D0-073F-901496ADBC4B}"/>
+                                      <a16:creationId xmlns:a16="http://schemas.microsoft.com/office/drawing/2014/main" id="{16DBFA5B-6431-64F9-E53E-A5F0168EA1D5}"/>
                                     </a:ext>
                                   </a:extLst>
                                 </p:cNvPr>
@@ -7597,10 +7597,10 @@
                         </p:grpSp>
                         <p:sp>
                           <p:nvSpPr>
-                            <p:cNvPr id="80" name="TextBox 79">
+                            <p:cNvPr id="144" name="TextBox 143">
                               <a:extLst>
                                 <a:ext uri="{FF2B5EF4-FFF2-40B4-BE49-F238E27FC236}">
-                                  <a16:creationId xmlns:a16="http://schemas.microsoft.com/office/drawing/2014/main" id="{2A5F8463-03DB-96D4-2E67-162AF8A2815E}"/>
+                                  <a16:creationId xmlns:a16="http://schemas.microsoft.com/office/drawing/2014/main" id="{AE20EEDE-B720-D226-22B4-4C28E152C7B6}"/>
                                 </a:ext>
                               </a:extLst>
                             </p:cNvPr>
@@ -7638,10 +7638,10 @@
                       </p:grpSp>
                       <p:cxnSp>
                         <p:nvCxnSpPr>
-                          <p:cNvPr id="64" name="Straight Arrow Connector 63">
+                          <p:cNvPr id="128" name="Straight Arrow Connector 127">
                             <a:extLst>
                               <a:ext uri="{FF2B5EF4-FFF2-40B4-BE49-F238E27FC236}">
-                                <a16:creationId xmlns:a16="http://schemas.microsoft.com/office/drawing/2014/main" id="{A2810A94-DF95-A39F-F9FE-7CA5A19C834B}"/>
+                                <a16:creationId xmlns:a16="http://schemas.microsoft.com/office/drawing/2014/main" id="{6B5E347E-F683-E45B-6251-4D9B3E69D409}"/>
                               </a:ext>
                             </a:extLst>
                           </p:cNvPr>
@@ -7684,10 +7684,10 @@
                       </p:cxnSp>
                       <p:cxnSp>
                         <p:nvCxnSpPr>
-                          <p:cNvPr id="65" name="Straight Arrow Connector 64">
+                          <p:cNvPr id="129" name="Straight Arrow Connector 128">
                             <a:extLst>
                               <a:ext uri="{FF2B5EF4-FFF2-40B4-BE49-F238E27FC236}">
-                                <a16:creationId xmlns:a16="http://schemas.microsoft.com/office/drawing/2014/main" id="{5C644C97-9FC0-D4E8-6896-408836500EBB}"/>
+                                <a16:creationId xmlns:a16="http://schemas.microsoft.com/office/drawing/2014/main" id="{3005750D-9C9A-18EB-4EED-258C4A6D884E}"/>
                               </a:ext>
                             </a:extLst>
                           </p:cNvPr>
@@ -7730,10 +7730,10 @@
                       </p:cxnSp>
                       <p:sp>
                         <p:nvSpPr>
-                          <p:cNvPr id="66" name="TextBox 65">
+                          <p:cNvPr id="130" name="TextBox 129">
                             <a:extLst>
                               <a:ext uri="{FF2B5EF4-FFF2-40B4-BE49-F238E27FC236}">
-                                <a16:creationId xmlns:a16="http://schemas.microsoft.com/office/drawing/2014/main" id="{BFE117C5-9204-173D-89D8-C409B9B777FA}"/>
+                                <a16:creationId xmlns:a16="http://schemas.microsoft.com/office/drawing/2014/main" id="{794BE03A-7C93-B03D-1B21-2705EFBD92B7}"/>
                               </a:ext>
                             </a:extLst>
                           </p:cNvPr>
@@ -7794,10 +7794,10 @@
                       </p:sp>
                       <p:cxnSp>
                         <p:nvCxnSpPr>
-                          <p:cNvPr id="67" name="Straight Arrow Connector 66">
+                          <p:cNvPr id="131" name="Straight Arrow Connector 130">
                             <a:extLst>
                               <a:ext uri="{FF2B5EF4-FFF2-40B4-BE49-F238E27FC236}">
-                                <a16:creationId xmlns:a16="http://schemas.microsoft.com/office/drawing/2014/main" id="{275204D9-6406-B4D6-D79C-BFEB6FA7B405}"/>
+                                <a16:creationId xmlns:a16="http://schemas.microsoft.com/office/drawing/2014/main" id="{833BBF7B-E934-9B4B-5862-00D7D0E8CE61}"/>
                               </a:ext>
                             </a:extLst>
                           </p:cNvPr>
@@ -7841,10 +7841,10 @@
                       </p:cxnSp>
                       <p:sp>
                         <p:nvSpPr>
-                          <p:cNvPr id="68" name="TextBox 67">
+                          <p:cNvPr id="132" name="TextBox 131">
                             <a:extLst>
                               <a:ext uri="{FF2B5EF4-FFF2-40B4-BE49-F238E27FC236}">
-                                <a16:creationId xmlns:a16="http://schemas.microsoft.com/office/drawing/2014/main" id="{B1E56093-8155-0940-2245-7ACD24C4B792}"/>
+                                <a16:creationId xmlns:a16="http://schemas.microsoft.com/office/drawing/2014/main" id="{6ECA9D99-0A73-DEFF-3785-56D87FEC8D57}"/>
                               </a:ext>
                             </a:extLst>
                           </p:cNvPr>
@@ -7907,10 +7907,10 @@
                       </p:sp>
                       <p:cxnSp>
                         <p:nvCxnSpPr>
-                          <p:cNvPr id="69" name="Straight Arrow Connector 68">
+                          <p:cNvPr id="133" name="Straight Arrow Connector 132">
                             <a:extLst>
                               <a:ext uri="{FF2B5EF4-FFF2-40B4-BE49-F238E27FC236}">
-                                <a16:creationId xmlns:a16="http://schemas.microsoft.com/office/drawing/2014/main" id="{20FF9DDC-3E75-D6AD-94F1-1E7985B97546}"/>
+                                <a16:creationId xmlns:a16="http://schemas.microsoft.com/office/drawing/2014/main" id="{7918818B-3B82-463E-59C4-F13162CFAC84}"/>
                               </a:ext>
                             </a:extLst>
                           </p:cNvPr>
@@ -7953,10 +7953,10 @@
                       </p:cxnSp>
                       <p:sp>
                         <p:nvSpPr>
-                          <p:cNvPr id="70" name="TextBox 69">
+                          <p:cNvPr id="134" name="TextBox 133">
                             <a:extLst>
                               <a:ext uri="{FF2B5EF4-FFF2-40B4-BE49-F238E27FC236}">
-                                <a16:creationId xmlns:a16="http://schemas.microsoft.com/office/drawing/2014/main" id="{899882AD-15A7-1D12-A0B1-9D02DD5B6C50}"/>
+                                <a16:creationId xmlns:a16="http://schemas.microsoft.com/office/drawing/2014/main" id="{967248E0-DD0F-1FE4-A904-807C0C9FEDA4}"/>
                               </a:ext>
                             </a:extLst>
                           </p:cNvPr>
@@ -8035,10 +8035,10 @@
                       </p:sp>
                       <p:sp>
                         <p:nvSpPr>
-                          <p:cNvPr id="71" name="TextBox 70">
+                          <p:cNvPr id="135" name="TextBox 134">
                             <a:extLst>
                               <a:ext uri="{FF2B5EF4-FFF2-40B4-BE49-F238E27FC236}">
-                                <a16:creationId xmlns:a16="http://schemas.microsoft.com/office/drawing/2014/main" id="{74978145-4790-735C-C285-8F49A58D9DB2}"/>
+                                <a16:creationId xmlns:a16="http://schemas.microsoft.com/office/drawing/2014/main" id="{0FFB6FDD-4D46-668B-E6B1-266BD093C4C8}"/>
                               </a:ext>
                             </a:extLst>
                           </p:cNvPr>
@@ -8101,17 +8101,17 @@
                       </p:sp>
                       <p:cxnSp>
                         <p:nvCxnSpPr>
-                          <p:cNvPr id="72" name="Straight Arrow Connector 71">
+                          <p:cNvPr id="136" name="Straight Arrow Connector 135">
                             <a:extLst>
                               <a:ext uri="{FF2B5EF4-FFF2-40B4-BE49-F238E27FC236}">
-                                <a16:creationId xmlns:a16="http://schemas.microsoft.com/office/drawing/2014/main" id="{47A371FC-8041-681C-6D3A-3C9A6504D271}"/>
+                                <a16:creationId xmlns:a16="http://schemas.microsoft.com/office/drawing/2014/main" id="{4B561BCD-3A6C-A6B2-D682-8E5B78FD392F}"/>
                               </a:ext>
                             </a:extLst>
                           </p:cNvPr>
                           <p:cNvCxnSpPr>
                             <a:cxnSpLocks/>
-                            <a:stCxn id="74" idx="1"/>
-                            <a:endCxn id="71" idx="2"/>
+                            <a:stCxn id="138" idx="1"/>
+                            <a:endCxn id="135" idx="2"/>
                           </p:cNvCxnSpPr>
                           <p:nvPr/>
                         </p:nvCxnSpPr>
@@ -8150,16 +8150,16 @@
                       </p:cxnSp>
                       <p:cxnSp>
                         <p:nvCxnSpPr>
-                          <p:cNvPr id="73" name="Straight Arrow Connector 72">
+                          <p:cNvPr id="137" name="Straight Arrow Connector 136">
                             <a:extLst>
                               <a:ext uri="{FF2B5EF4-FFF2-40B4-BE49-F238E27FC236}">
-                                <a16:creationId xmlns:a16="http://schemas.microsoft.com/office/drawing/2014/main" id="{7523D854-6F5D-427A-C588-B95C6D1814F5}"/>
+                                <a16:creationId xmlns:a16="http://schemas.microsoft.com/office/drawing/2014/main" id="{655C0A15-6200-3164-170E-55937611578C}"/>
                               </a:ext>
                             </a:extLst>
                           </p:cNvPr>
                           <p:cNvCxnSpPr>
                             <a:cxnSpLocks/>
-                            <a:endCxn id="71" idx="2"/>
+                            <a:endCxn id="135" idx="2"/>
                           </p:cNvCxnSpPr>
                           <p:nvPr/>
                         </p:nvCxnSpPr>
@@ -8198,10 +8198,10 @@
                       </p:cxnSp>
                       <p:sp>
                         <p:nvSpPr>
-                          <p:cNvPr id="74" name="TextBox 73">
+                          <p:cNvPr id="138" name="TextBox 137">
                             <a:extLst>
                               <a:ext uri="{FF2B5EF4-FFF2-40B4-BE49-F238E27FC236}">
-                                <a16:creationId xmlns:a16="http://schemas.microsoft.com/office/drawing/2014/main" id="{3653EDF6-8B45-5887-B540-B96E09E7D44D}"/>
+                                <a16:creationId xmlns:a16="http://schemas.microsoft.com/office/drawing/2014/main" id="{ACD2A7E6-04E1-3177-7C30-F59A28E0DD22}"/>
                               </a:ext>
                             </a:extLst>
                           </p:cNvPr>
@@ -8262,16 +8262,16 @@
                       </p:sp>
                       <p:cxnSp>
                         <p:nvCxnSpPr>
-                          <p:cNvPr id="75" name="Straight Arrow Connector 74">
+                          <p:cNvPr id="139" name="Straight Arrow Connector 138">
                             <a:extLst>
                               <a:ext uri="{FF2B5EF4-FFF2-40B4-BE49-F238E27FC236}">
-                                <a16:creationId xmlns:a16="http://schemas.microsoft.com/office/drawing/2014/main" id="{7024081C-C685-34E5-7251-5A20346D744B}"/>
+                                <a16:creationId xmlns:a16="http://schemas.microsoft.com/office/drawing/2014/main" id="{D37092F7-1BA4-26B9-51CC-471089F38B06}"/>
                               </a:ext>
                             </a:extLst>
                           </p:cNvPr>
                           <p:cNvCxnSpPr>
                             <a:cxnSpLocks/>
-                            <a:endCxn id="74" idx="2"/>
+                            <a:endCxn id="138" idx="2"/>
                           </p:cNvCxnSpPr>
                           <p:nvPr/>
                         </p:nvCxnSpPr>
@@ -8310,10 +8310,10 @@
                       </p:cxnSp>
                       <p:sp>
                         <p:nvSpPr>
-                          <p:cNvPr id="76" name="TextBox 75">
+                          <p:cNvPr id="140" name="TextBox 139">
                             <a:extLst>
                               <a:ext uri="{FF2B5EF4-FFF2-40B4-BE49-F238E27FC236}">
-                                <a16:creationId xmlns:a16="http://schemas.microsoft.com/office/drawing/2014/main" id="{0C82CDB8-25CB-F614-2D37-C214EADB7282}"/>
+                                <a16:creationId xmlns:a16="http://schemas.microsoft.com/office/drawing/2014/main" id="{B7608C02-D015-0BC1-2165-BF8685FEFF30}"/>
                               </a:ext>
                             </a:extLst>
                           </p:cNvPr>
@@ -8392,16 +8392,16 @@
                       </p:sp>
                       <p:cxnSp>
                         <p:nvCxnSpPr>
-                          <p:cNvPr id="77" name="Straight Arrow Connector 76">
+                          <p:cNvPr id="141" name="Straight Arrow Connector 140">
                             <a:extLst>
                               <a:ext uri="{FF2B5EF4-FFF2-40B4-BE49-F238E27FC236}">
-                                <a16:creationId xmlns:a16="http://schemas.microsoft.com/office/drawing/2014/main" id="{B0E82424-771C-E711-60AA-ACE17616153E}"/>
+                                <a16:creationId xmlns:a16="http://schemas.microsoft.com/office/drawing/2014/main" id="{E007012F-57E0-9701-3EDF-12540D47FFC8}"/>
                               </a:ext>
                             </a:extLst>
                           </p:cNvPr>
                           <p:cNvCxnSpPr>
                             <a:cxnSpLocks/>
-                            <a:endCxn id="74" idx="2"/>
+                            <a:endCxn id="138" idx="2"/>
                           </p:cNvCxnSpPr>
                           <p:nvPr/>
                         </p:nvCxnSpPr>
@@ -8440,10 +8440,10 @@
                       </p:cxnSp>
                       <p:sp>
                         <p:nvSpPr>
-                          <p:cNvPr id="78" name="TextBox 77">
+                          <p:cNvPr id="142" name="TextBox 141">
                             <a:extLst>
                               <a:ext uri="{FF2B5EF4-FFF2-40B4-BE49-F238E27FC236}">
-                                <a16:creationId xmlns:a16="http://schemas.microsoft.com/office/drawing/2014/main" id="{C295221F-9687-4771-2893-50160E8B5C44}"/>
+                                <a16:creationId xmlns:a16="http://schemas.microsoft.com/office/drawing/2014/main" id="{C1698C11-FF74-1DFA-AE36-2696C704A290}"/>
                               </a:ext>
                             </a:extLst>
                           </p:cNvPr>
@@ -8500,7 +8500,7 @@
                         <p:cNvPr id="43" name="Group 42">
                           <a:extLst>
                             <a:ext uri="{FF2B5EF4-FFF2-40B4-BE49-F238E27FC236}">
-                              <a16:creationId xmlns:a16="http://schemas.microsoft.com/office/drawing/2014/main" id="{30A33314-5B59-3606-A607-6FCA53B8E9DC}"/>
+                              <a16:creationId xmlns:a16="http://schemas.microsoft.com/office/drawing/2014/main" id="{2D24D48F-BA92-72EF-85DD-63A63F3240ED}"/>
                             </a:ext>
                           </a:extLst>
                         </p:cNvPr>
@@ -8522,7 +8522,7 @@
                           <p:cNvPr id="44" name="Group 43">
                             <a:extLst>
                               <a:ext uri="{FF2B5EF4-FFF2-40B4-BE49-F238E27FC236}">
-                                <a16:creationId xmlns:a16="http://schemas.microsoft.com/office/drawing/2014/main" id="{EF5CCADF-5EBB-EBDE-7F21-A6E0FA3B2875}"/>
+                                <a16:creationId xmlns:a16="http://schemas.microsoft.com/office/drawing/2014/main" id="{E98EA513-9717-7315-41C9-178BDE667CB1}"/>
                               </a:ext>
                             </a:extLst>
                           </p:cNvPr>
@@ -8544,7 +8544,7 @@
                             <p:cNvPr id="53" name="Group 52">
                               <a:extLst>
                                 <a:ext uri="{FF2B5EF4-FFF2-40B4-BE49-F238E27FC236}">
-                                  <a16:creationId xmlns:a16="http://schemas.microsoft.com/office/drawing/2014/main" id="{5E43000C-42F8-F49C-8E57-F6DD534A1AEB}"/>
+                                  <a16:creationId xmlns:a16="http://schemas.microsoft.com/office/drawing/2014/main" id="{9F5CF46D-8F4F-D915-934A-2013772F96D5}"/>
                                 </a:ext>
                               </a:extLst>
                             </p:cNvPr>
@@ -8566,7 +8566,7 @@
                               <p:cNvPr id="55" name="Group 54">
                                 <a:extLst>
                                   <a:ext uri="{FF2B5EF4-FFF2-40B4-BE49-F238E27FC236}">
-                                    <a16:creationId xmlns:a16="http://schemas.microsoft.com/office/drawing/2014/main" id="{0C7782E7-FB27-8FA9-19E6-48BA6FD7517C}"/>
+                                    <a16:creationId xmlns:a16="http://schemas.microsoft.com/office/drawing/2014/main" id="{15B044FA-35C6-A5D6-FF30-3B0C92B38A10}"/>
                                   </a:ext>
                                 </a:extLst>
                               </p:cNvPr>
@@ -8588,7 +8588,7 @@
                                 <p:cNvPr id="57" name="Group 56">
                                   <a:extLst>
                                     <a:ext uri="{FF2B5EF4-FFF2-40B4-BE49-F238E27FC236}">
-                                      <a16:creationId xmlns:a16="http://schemas.microsoft.com/office/drawing/2014/main" id="{B8CF29AF-84C1-4A92-645F-EE4DF13BB255}"/>
+                                      <a16:creationId xmlns:a16="http://schemas.microsoft.com/office/drawing/2014/main" id="{650AF661-0858-E544-D145-423EEAB8B6C2}"/>
                                     </a:ext>
                                   </a:extLst>
                                 </p:cNvPr>
@@ -8610,7 +8610,7 @@
                                   <p:cNvPr id="59" name="Group 58">
                                     <a:extLst>
                                       <a:ext uri="{FF2B5EF4-FFF2-40B4-BE49-F238E27FC236}">
-                                        <a16:creationId xmlns:a16="http://schemas.microsoft.com/office/drawing/2014/main" id="{6980C0CE-3570-0F9A-BD98-01375B9A2C93}"/>
+                                        <a16:creationId xmlns:a16="http://schemas.microsoft.com/office/drawing/2014/main" id="{F016CE24-A8C7-AE79-9823-F2822045D602}"/>
                                       </a:ext>
                                     </a:extLst>
                                   </p:cNvPr>
@@ -8632,7 +8632,7 @@
                                     <p:cNvPr id="61" name="Rectangle 60">
                                       <a:extLst>
                                         <a:ext uri="{FF2B5EF4-FFF2-40B4-BE49-F238E27FC236}">
-                                          <a16:creationId xmlns:a16="http://schemas.microsoft.com/office/drawing/2014/main" id="{7696A08D-3630-2546-BE34-BF7466CB168B}"/>
+                                          <a16:creationId xmlns:a16="http://schemas.microsoft.com/office/drawing/2014/main" id="{012A4B9A-5419-3BCB-BD07-9D77C25F9127}"/>
                                         </a:ext>
                                       </a:extLst>
                                     </p:cNvPr>
@@ -8692,7 +8692,7 @@
                                     <p:cNvPr id="62" name="Picture 61">
                                       <a:extLst>
                                         <a:ext uri="{FF2B5EF4-FFF2-40B4-BE49-F238E27FC236}">
-                                          <a16:creationId xmlns:a16="http://schemas.microsoft.com/office/drawing/2014/main" id="{8CE0E50F-09EB-15EE-1115-A9F3256F3539}"/>
+                                          <a16:creationId xmlns:a16="http://schemas.microsoft.com/office/drawing/2014/main" id="{4E1F628A-595A-0A2B-65B3-6627CD4FB033}"/>
                                         </a:ext>
                                       </a:extLst>
                                     </p:cNvPr>
@@ -8722,7 +8722,7 @@
                                   <p:cNvPr id="60" name="Picture 59">
                                     <a:extLst>
                                       <a:ext uri="{FF2B5EF4-FFF2-40B4-BE49-F238E27FC236}">
-                                        <a16:creationId xmlns:a16="http://schemas.microsoft.com/office/drawing/2014/main" id="{8BDA7607-D197-AB05-618D-31D397AED8DE}"/>
+                                        <a16:creationId xmlns:a16="http://schemas.microsoft.com/office/drawing/2014/main" id="{67CB38C1-B1D3-303C-10F9-51EF40D5D30A}"/>
                                       </a:ext>
                                     </a:extLst>
                                   </p:cNvPr>
@@ -8753,7 +8753,7 @@
                                 <p:cNvPr id="58" name="TextBox 57">
                                   <a:extLst>
                                     <a:ext uri="{FF2B5EF4-FFF2-40B4-BE49-F238E27FC236}">
-                                      <a16:creationId xmlns:a16="http://schemas.microsoft.com/office/drawing/2014/main" id="{6B5593DE-2014-5CC7-53AC-13A418E14A46}"/>
+                                      <a16:creationId xmlns:a16="http://schemas.microsoft.com/office/drawing/2014/main" id="{C15F81D3-0680-EBD7-B574-DA2F9DBE20F4}"/>
                                     </a:ext>
                                   </a:extLst>
                                 </p:cNvPr>
@@ -8794,7 +8794,7 @@
                               <p:cNvPr id="56" name="TextBox 55">
                                 <a:extLst>
                                   <a:ext uri="{FF2B5EF4-FFF2-40B4-BE49-F238E27FC236}">
-                                    <a16:creationId xmlns:a16="http://schemas.microsoft.com/office/drawing/2014/main" id="{06E14909-5347-7754-2283-7BF2D50E2EE7}"/>
+                                    <a16:creationId xmlns:a16="http://schemas.microsoft.com/office/drawing/2014/main" id="{7BD0AA8B-D9DA-161B-FEC8-67BFFF096E02}"/>
                                   </a:ext>
                                 </a:extLst>
                               </p:cNvPr>
@@ -8894,7 +8894,7 @@
                             <p:cNvPr id="54" name="Picture 53">
                               <a:extLst>
                                 <a:ext uri="{FF2B5EF4-FFF2-40B4-BE49-F238E27FC236}">
-                                  <a16:creationId xmlns:a16="http://schemas.microsoft.com/office/drawing/2014/main" id="{6E734A48-E3F9-D787-50B0-5960177E09AE}"/>
+                                  <a16:creationId xmlns:a16="http://schemas.microsoft.com/office/drawing/2014/main" id="{F9508751-B306-3F3E-4845-1D32BD2A1659}"/>
                                 </a:ext>
                               </a:extLst>
                             </p:cNvPr>
@@ -8935,7 +8935,7 @@
                           <p:cNvPr id="45" name="Group 44">
                             <a:extLst>
                               <a:ext uri="{FF2B5EF4-FFF2-40B4-BE49-F238E27FC236}">
-                                <a16:creationId xmlns:a16="http://schemas.microsoft.com/office/drawing/2014/main" id="{BBBE31EB-97C7-9E43-7AAE-D346DF33443E}"/>
+                                <a16:creationId xmlns:a16="http://schemas.microsoft.com/office/drawing/2014/main" id="{A7C55D40-C87D-4688-C309-499BC08858CC}"/>
                               </a:ext>
                             </a:extLst>
                           </p:cNvPr>
@@ -8957,7 +8957,7 @@
                             <p:cNvPr id="46" name="Straight Arrow Connector 45">
                               <a:extLst>
                                 <a:ext uri="{FF2B5EF4-FFF2-40B4-BE49-F238E27FC236}">
-                                  <a16:creationId xmlns:a16="http://schemas.microsoft.com/office/drawing/2014/main" id="{B312B1E9-8AA5-BD25-BE24-CECD72BB891B}"/>
+                                  <a16:creationId xmlns:a16="http://schemas.microsoft.com/office/drawing/2014/main" id="{49B03D43-6D3E-7E44-6448-00C552309D1E}"/>
                                 </a:ext>
                               </a:extLst>
                             </p:cNvPr>
@@ -9003,7 +9003,7 @@
                             <p:cNvPr id="47" name="TextBox 46">
                               <a:extLst>
                                 <a:ext uri="{FF2B5EF4-FFF2-40B4-BE49-F238E27FC236}">
-                                  <a16:creationId xmlns:a16="http://schemas.microsoft.com/office/drawing/2014/main" id="{AA92270E-19E0-BC9C-FBCB-6C54863CC0EF}"/>
+                                  <a16:creationId xmlns:a16="http://schemas.microsoft.com/office/drawing/2014/main" id="{A9047134-19C8-82C1-7070-4E08443754CF}"/>
                                 </a:ext>
                               </a:extLst>
                             </p:cNvPr>
@@ -9072,7 +9072,7 @@
                             <p:cNvPr id="48" name="Straight Arrow Connector 47">
                               <a:extLst>
                                 <a:ext uri="{FF2B5EF4-FFF2-40B4-BE49-F238E27FC236}">
-                                  <a16:creationId xmlns:a16="http://schemas.microsoft.com/office/drawing/2014/main" id="{1362DAEB-15AD-83FF-786E-0A05FAD1984A}"/>
+                                  <a16:creationId xmlns:a16="http://schemas.microsoft.com/office/drawing/2014/main" id="{E67A19BE-2C18-F374-55AE-E9F8C458C972}"/>
                                 </a:ext>
                               </a:extLst>
                             </p:cNvPr>
@@ -9119,7 +9119,7 @@
                             <p:cNvPr id="49" name="TextBox 48">
                               <a:extLst>
                                 <a:ext uri="{FF2B5EF4-FFF2-40B4-BE49-F238E27FC236}">
-                                  <a16:creationId xmlns:a16="http://schemas.microsoft.com/office/drawing/2014/main" id="{DAFAB650-8111-46F2-AC41-60E4E0B95352}"/>
+                                  <a16:creationId xmlns:a16="http://schemas.microsoft.com/office/drawing/2014/main" id="{AAF362FE-5AAA-A94B-6BFC-B959AAC472BF}"/>
                                 </a:ext>
                               </a:extLst>
                             </p:cNvPr>
@@ -9188,7 +9188,7 @@
                             <p:cNvPr id="50" name="TextBox 49">
                               <a:extLst>
                                 <a:ext uri="{FF2B5EF4-FFF2-40B4-BE49-F238E27FC236}">
-                                  <a16:creationId xmlns:a16="http://schemas.microsoft.com/office/drawing/2014/main" id="{1F0DB2D4-3CBB-B8A4-85AD-A7115AC6A03B}"/>
+                                  <a16:creationId xmlns:a16="http://schemas.microsoft.com/office/drawing/2014/main" id="{D9179B16-3C8E-5CDF-FD80-ADC7290C9662}"/>
                                 </a:ext>
                               </a:extLst>
                             </p:cNvPr>
@@ -9257,7 +9257,7 @@
                             <p:cNvPr id="51" name="Straight Arrow Connector 50">
                               <a:extLst>
                                 <a:ext uri="{FF2B5EF4-FFF2-40B4-BE49-F238E27FC236}">
-                                  <a16:creationId xmlns:a16="http://schemas.microsoft.com/office/drawing/2014/main" id="{89898342-6013-F93F-0206-1C437F8EA003}"/>
+                                  <a16:creationId xmlns:a16="http://schemas.microsoft.com/office/drawing/2014/main" id="{18AD9A1E-8417-9CBA-17CB-A66AE52C28C9}"/>
                                 </a:ext>
                               </a:extLst>
                             </p:cNvPr>
@@ -9303,7 +9303,7 @@
                             <p:cNvPr id="52" name="TextBox 51">
                               <a:extLst>
                                 <a:ext uri="{FF2B5EF4-FFF2-40B4-BE49-F238E27FC236}">
-                                  <a16:creationId xmlns:a16="http://schemas.microsoft.com/office/drawing/2014/main" id="{6165FE13-F4B6-2E61-CA44-1D6A4D7344EB}"/>
+                                  <a16:creationId xmlns:a16="http://schemas.microsoft.com/office/drawing/2014/main" id="{E4379D43-2B30-5631-A12E-DD1D9A8A9145}"/>
                                 </a:ext>
                               </a:extLst>
                             </p:cNvPr>
@@ -9362,7 +9362,7 @@
                       <p:cNvPr id="41" name="Straight Arrow Connector 40">
                         <a:extLst>
                           <a:ext uri="{FF2B5EF4-FFF2-40B4-BE49-F238E27FC236}">
-                            <a16:creationId xmlns:a16="http://schemas.microsoft.com/office/drawing/2014/main" id="{A8A09D2E-4BC3-E1F4-AAC9-C277CE61F338}"/>
+                            <a16:creationId xmlns:a16="http://schemas.microsoft.com/office/drawing/2014/main" id="{6066BA6B-AEBE-A2CE-1A44-E15969679FA4}"/>
                           </a:ext>
                         </a:extLst>
                       </p:cNvPr>
@@ -9409,7 +9409,7 @@
                     <p:cNvPr id="37" name="TextBox 36">
                       <a:extLst>
                         <a:ext uri="{FF2B5EF4-FFF2-40B4-BE49-F238E27FC236}">
-                          <a16:creationId xmlns:a16="http://schemas.microsoft.com/office/drawing/2014/main" id="{FD88B02F-D2B2-9C87-F5BF-721DE42F9818}"/>
+                          <a16:creationId xmlns:a16="http://schemas.microsoft.com/office/drawing/2014/main" id="{72A9E4C4-FCBA-30DC-4D24-D1CC261E5D43}"/>
                         </a:ext>
                       </a:extLst>
                     </p:cNvPr>
@@ -9488,7 +9488,7 @@
                     <p:cNvPr id="38" name="Right Brace 37">
                       <a:extLst>
                         <a:ext uri="{FF2B5EF4-FFF2-40B4-BE49-F238E27FC236}">
-                          <a16:creationId xmlns:a16="http://schemas.microsoft.com/office/drawing/2014/main" id="{329A3B66-8A69-0698-52E5-24F3D698D567}"/>
+                          <a16:creationId xmlns:a16="http://schemas.microsoft.com/office/drawing/2014/main" id="{5D58FEC1-7EEB-2566-E234-F72D80ADD545}"/>
                         </a:ext>
                       </a:extLst>
                     </p:cNvPr>
@@ -9539,7 +9539,7 @@
                     <p:cNvPr id="39" name="Straight Arrow Connector 38">
                       <a:extLst>
                         <a:ext uri="{FF2B5EF4-FFF2-40B4-BE49-F238E27FC236}">
-                          <a16:creationId xmlns:a16="http://schemas.microsoft.com/office/drawing/2014/main" id="{321372BD-5B30-8EB6-F65F-188E3EB09DC4}"/>
+                          <a16:creationId xmlns:a16="http://schemas.microsoft.com/office/drawing/2014/main" id="{F130A899-C14B-2A7B-1380-048901AB14B7}"/>
                         </a:ext>
                       </a:extLst>
                     </p:cNvPr>
@@ -9587,7 +9587,7 @@
                   <p:cNvPr id="35" name="TextBox 34">
                     <a:extLst>
                       <a:ext uri="{FF2B5EF4-FFF2-40B4-BE49-F238E27FC236}">
-                        <a16:creationId xmlns:a16="http://schemas.microsoft.com/office/drawing/2014/main" id="{436D07AD-52A9-3C25-E031-11D4D298164A}"/>
+                        <a16:creationId xmlns:a16="http://schemas.microsoft.com/office/drawing/2014/main" id="{CD302EEA-E9C6-13B6-E632-4BD39CFD421B}"/>
                       </a:ext>
                     </a:extLst>
                   </p:cNvPr>
@@ -9667,7 +9667,7 @@
                 <p:cNvPr id="30" name="TextBox 29">
                   <a:extLst>
                     <a:ext uri="{FF2B5EF4-FFF2-40B4-BE49-F238E27FC236}">
-                      <a16:creationId xmlns:a16="http://schemas.microsoft.com/office/drawing/2014/main" id="{7F335CCA-EBF9-EE59-D577-EBE27B89B555}"/>
+                      <a16:creationId xmlns:a16="http://schemas.microsoft.com/office/drawing/2014/main" id="{B6DB4726-DC67-59EB-DE19-9E3C90414FB6}"/>
                     </a:ext>
                   </a:extLst>
                 </p:cNvPr>
@@ -9679,7 +9679,7 @@
               <p:spPr>
                 <a:xfrm>
                   <a:off x="10977438" y="6945366"/>
-                  <a:ext cx="1177650" cy="338554"/>
+                  <a:ext cx="1343708" cy="338554"/>
                 </a:xfrm>
                 <a:prstGeom prst="rect">
                   <a:avLst/>
@@ -9747,7 +9747,7 @@
                 <p:cNvPr id="31" name="Straight Arrow Connector 30">
                   <a:extLst>
                     <a:ext uri="{FF2B5EF4-FFF2-40B4-BE49-F238E27FC236}">
-                      <a16:creationId xmlns:a16="http://schemas.microsoft.com/office/drawing/2014/main" id="{58A9D95D-CE3F-EFE6-E041-6865621B9466}"/>
+                      <a16:creationId xmlns:a16="http://schemas.microsoft.com/office/drawing/2014/main" id="{27EF2FC6-58CD-9B22-DC98-F103A66A80F6}"/>
                     </a:ext>
                   </a:extLst>
                 </p:cNvPr>
@@ -9794,7 +9794,7 @@
                 <p:cNvPr id="32" name="TextBox 31">
                   <a:extLst>
                     <a:ext uri="{FF2B5EF4-FFF2-40B4-BE49-F238E27FC236}">
-                      <a16:creationId xmlns:a16="http://schemas.microsoft.com/office/drawing/2014/main" id="{D70C5222-A31B-25D7-F101-63E3DC8E0900}"/>
+                      <a16:creationId xmlns:a16="http://schemas.microsoft.com/office/drawing/2014/main" id="{80E0E90E-25FC-01E0-EC5D-4A8A1CEA102A}"/>
                     </a:ext>
                   </a:extLst>
                 </p:cNvPr>
@@ -9805,8 +9805,8 @@
               </p:nvSpPr>
               <p:spPr>
                 <a:xfrm>
-                  <a:off x="10977438" y="6576360"/>
-                  <a:ext cx="1180858" cy="338554"/>
+                  <a:off x="10977437" y="6576360"/>
+                  <a:ext cx="1343709" cy="338554"/>
                 </a:xfrm>
                 <a:prstGeom prst="rect">
                   <a:avLst/>
@@ -9852,7 +9852,7 @@
                       </a:solidFill>
                       <a:latin typeface="Helvetica" pitchFamily="2" charset="0"/>
                     </a:rPr>
-                    <a:t>/</a:t>
+                    <a:t>/full/</a:t>
                   </a:r>
                 </a:p>
                 <a:p>
@@ -9880,7 +9880,7 @@
                 <p:cNvPr id="33" name="Straight Arrow Connector 32">
                   <a:extLst>
                     <a:ext uri="{FF2B5EF4-FFF2-40B4-BE49-F238E27FC236}">
-                      <a16:creationId xmlns:a16="http://schemas.microsoft.com/office/drawing/2014/main" id="{AD187E13-70ED-AF93-0165-43261B90D3FB}"/>
+                      <a16:creationId xmlns:a16="http://schemas.microsoft.com/office/drawing/2014/main" id="{A5AFF709-901A-2203-8D60-7ED154652629}"/>
                     </a:ext>
                   </a:extLst>
                 </p:cNvPr>
@@ -9928,7 +9928,7 @@
               <p:cNvPr id="22" name="Rectangle 21">
                 <a:extLst>
                   <a:ext uri="{FF2B5EF4-FFF2-40B4-BE49-F238E27FC236}">
-                    <a16:creationId xmlns:a16="http://schemas.microsoft.com/office/drawing/2014/main" id="{7A06A282-61B3-8574-E8A2-056AFA9D5FB8}"/>
+                    <a16:creationId xmlns:a16="http://schemas.microsoft.com/office/drawing/2014/main" id="{51964368-32BA-F204-5F6F-80ED531A64DD}"/>
                   </a:ext>
                 </a:extLst>
               </p:cNvPr>
@@ -9986,7 +9986,7 @@
               <p:cNvPr id="23" name="TextBox 22">
                 <a:extLst>
                   <a:ext uri="{FF2B5EF4-FFF2-40B4-BE49-F238E27FC236}">
-                    <a16:creationId xmlns:a16="http://schemas.microsoft.com/office/drawing/2014/main" id="{BF770E23-CED8-CFCE-D217-50E1CA6FB4D8}"/>
+                    <a16:creationId xmlns:a16="http://schemas.microsoft.com/office/drawing/2014/main" id="{9262014F-24F3-DA81-1B08-5C9ECF6A9929}"/>
                   </a:ext>
                 </a:extLst>
               </p:cNvPr>
@@ -10004,7 +10004,7 @@
                 <a:avLst/>
               </a:prstGeom>
               <a:solidFill>
-                <a:schemeClr val="accent5"/>
+                <a:schemeClr val="accent1"/>
               </a:solidFill>
               <a:ln>
                 <a:noFill/>
@@ -10048,7 +10048,7 @@
               <p:cNvPr id="24" name="TextBox 23">
                 <a:extLst>
                   <a:ext uri="{FF2B5EF4-FFF2-40B4-BE49-F238E27FC236}">
-                    <a16:creationId xmlns:a16="http://schemas.microsoft.com/office/drawing/2014/main" id="{4D18A23E-7597-EB45-1785-A62996CB9783}"/>
+                    <a16:creationId xmlns:a16="http://schemas.microsoft.com/office/drawing/2014/main" id="{197CCB73-E300-3FE5-B9DC-E6242C6C6539}"/>
                   </a:ext>
                 </a:extLst>
               </p:cNvPr>
@@ -10127,7 +10127,7 @@
               <p:cNvPr id="25" name="TextBox 24">
                 <a:extLst>
                   <a:ext uri="{FF2B5EF4-FFF2-40B4-BE49-F238E27FC236}">
-                    <a16:creationId xmlns:a16="http://schemas.microsoft.com/office/drawing/2014/main" id="{464B46C6-342F-661F-D3F2-B3FE9000EA6C}"/>
+                    <a16:creationId xmlns:a16="http://schemas.microsoft.com/office/drawing/2014/main" id="{981A62EC-BAAA-94AA-C7D4-8DE1AB7DD437}"/>
                   </a:ext>
                 </a:extLst>
               </p:cNvPr>
@@ -10139,13 +10139,13 @@
             <p:spPr>
               <a:xfrm>
                 <a:off x="10967541" y="11280438"/>
-                <a:ext cx="1177650" cy="338554"/>
+                <a:ext cx="1353606" cy="338554"/>
               </a:xfrm>
               <a:prstGeom prst="rect">
                 <a:avLst/>
               </a:prstGeom>
               <a:solidFill>
-                <a:schemeClr val="accent5"/>
+                <a:schemeClr val="accent1"/>
               </a:solidFill>
               <a:ln>
                 <a:solidFill>
@@ -10207,7 +10207,7 @@
               <p:cNvPr id="26" name="Straight Arrow Connector 25">
                 <a:extLst>
                   <a:ext uri="{FF2B5EF4-FFF2-40B4-BE49-F238E27FC236}">
-                    <a16:creationId xmlns:a16="http://schemas.microsoft.com/office/drawing/2014/main" id="{4976CBA9-903D-365E-5862-8108CCDA0482}"/>
+                    <a16:creationId xmlns:a16="http://schemas.microsoft.com/office/drawing/2014/main" id="{6F337566-004E-8760-8DFD-FFDF76F2BCA0}"/>
                   </a:ext>
                 </a:extLst>
               </p:cNvPr>
@@ -10226,7 +10226,7 @@
               </a:prstGeom>
               <a:ln w="12700" cap="flat">
                 <a:solidFill>
-                  <a:schemeClr val="accent5"/>
+                  <a:schemeClr val="accent1"/>
                 </a:solidFill>
                 <a:prstDash val="solid"/>
                 <a:bevel/>
@@ -10254,7 +10254,7 @@
               <p:cNvPr id="27" name="TextBox 26">
                 <a:extLst>
                   <a:ext uri="{FF2B5EF4-FFF2-40B4-BE49-F238E27FC236}">
-                    <a16:creationId xmlns:a16="http://schemas.microsoft.com/office/drawing/2014/main" id="{1031A356-BE03-45A6-F740-CDA222806831}"/>
+                    <a16:creationId xmlns:a16="http://schemas.microsoft.com/office/drawing/2014/main" id="{C6F111DC-829D-844D-E09F-F947FC61A70A}"/>
                   </a:ext>
                 </a:extLst>
               </p:cNvPr>
@@ -10265,14 +10265,14 @@
             </p:nvSpPr>
             <p:spPr>
               <a:xfrm>
-                <a:off x="10967541" y="10911432"/>
-                <a:ext cx="1180858" cy="338554"/>
+                <a:off x="10967540" y="10911432"/>
+                <a:ext cx="1353607" cy="338554"/>
               </a:xfrm>
               <a:prstGeom prst="rect">
                 <a:avLst/>
               </a:prstGeom>
               <a:solidFill>
-                <a:schemeClr val="accent5"/>
+                <a:schemeClr val="accent1"/>
               </a:solidFill>
               <a:ln>
                 <a:solidFill>
@@ -10312,7 +10312,7 @@
                     </a:solidFill>
                     <a:latin typeface="Helvetica" pitchFamily="2" charset="0"/>
                   </a:rPr>
-                  <a:t>/</a:t>
+                  <a:t>/full/</a:t>
                 </a:r>
               </a:p>
               <a:p>
@@ -10340,7 +10340,7 @@
               <p:cNvPr id="28" name="Straight Arrow Connector 27">
                 <a:extLst>
                   <a:ext uri="{FF2B5EF4-FFF2-40B4-BE49-F238E27FC236}">
-                    <a16:creationId xmlns:a16="http://schemas.microsoft.com/office/drawing/2014/main" id="{0AE85C52-2A0E-D8ED-2B98-B932E726FD89}"/>
+                    <a16:creationId xmlns:a16="http://schemas.microsoft.com/office/drawing/2014/main" id="{EB96EB7E-8584-7523-6BA8-BF425928876C}"/>
                   </a:ext>
                 </a:extLst>
               </p:cNvPr>
@@ -10359,7 +10359,7 @@
               </a:prstGeom>
               <a:ln w="12700" cap="flat">
                 <a:solidFill>
-                  <a:schemeClr val="accent5"/>
+                  <a:schemeClr val="accent1"/>
                 </a:solidFill>
                 <a:prstDash val="solid"/>
                 <a:bevel/>
@@ -10388,7 +10388,7 @@
             <p:cNvPr id="7" name="Group 6">
               <a:extLst>
                 <a:ext uri="{FF2B5EF4-FFF2-40B4-BE49-F238E27FC236}">
-                  <a16:creationId xmlns:a16="http://schemas.microsoft.com/office/drawing/2014/main" id="{FE80B0C9-7669-8C6C-F8AB-3E46AD08C89A}"/>
+                  <a16:creationId xmlns:a16="http://schemas.microsoft.com/office/drawing/2014/main" id="{D50A4367-BF33-5AAB-31B7-1B1E03D3431F}"/>
                 </a:ext>
               </a:extLst>
             </p:cNvPr>
@@ -10410,7 +10410,7 @@
               <p:cNvPr id="8" name="TextBox 7">
                 <a:extLst>
                   <a:ext uri="{FF2B5EF4-FFF2-40B4-BE49-F238E27FC236}">
-                    <a16:creationId xmlns:a16="http://schemas.microsoft.com/office/drawing/2014/main" id="{4547E042-73AB-894B-57CC-80804394F02E}"/>
+                    <a16:creationId xmlns:a16="http://schemas.microsoft.com/office/drawing/2014/main" id="{C8E45DC3-67F7-280F-A7D6-E5A1B41143CA}"/>
                   </a:ext>
                 </a:extLst>
               </p:cNvPr>
@@ -10489,7 +10489,7 @@
               <p:cNvPr id="9" name="Straight Arrow Connector 8">
                 <a:extLst>
                   <a:ext uri="{FF2B5EF4-FFF2-40B4-BE49-F238E27FC236}">
-                    <a16:creationId xmlns:a16="http://schemas.microsoft.com/office/drawing/2014/main" id="{3102299E-9689-726A-D7FE-B06CD0D55703}"/>
+                    <a16:creationId xmlns:a16="http://schemas.microsoft.com/office/drawing/2014/main" id="{FD98BF67-4B74-062D-7137-830E751C4AF1}"/>
                   </a:ext>
                 </a:extLst>
               </p:cNvPr>
@@ -10535,7 +10535,7 @@
               <p:cNvPr id="10" name="Straight Arrow Connector 9">
                 <a:extLst>
                   <a:ext uri="{FF2B5EF4-FFF2-40B4-BE49-F238E27FC236}">
-                    <a16:creationId xmlns:a16="http://schemas.microsoft.com/office/drawing/2014/main" id="{D96D0BEE-C66C-AA97-FBD0-2D278B667642}"/>
+                    <a16:creationId xmlns:a16="http://schemas.microsoft.com/office/drawing/2014/main" id="{BB715552-4D79-7B41-A836-990802F60C00}"/>
                   </a:ext>
                 </a:extLst>
               </p:cNvPr>
@@ -10581,7 +10581,7 @@
               <p:cNvPr id="11" name="TextBox 10">
                 <a:extLst>
                   <a:ext uri="{FF2B5EF4-FFF2-40B4-BE49-F238E27FC236}">
-                    <a16:creationId xmlns:a16="http://schemas.microsoft.com/office/drawing/2014/main" id="{12ABB572-6D06-B32F-3121-E3C9F682D79F}"/>
+                    <a16:creationId xmlns:a16="http://schemas.microsoft.com/office/drawing/2014/main" id="{CC7D2503-B454-A4B5-3B68-413F9EE2B3A6}"/>
                   </a:ext>
                 </a:extLst>
               </p:cNvPr>
@@ -10672,7 +10672,7 @@
               <p:cNvPr id="12" name="TextBox 11">
                 <a:extLst>
                   <a:ext uri="{FF2B5EF4-FFF2-40B4-BE49-F238E27FC236}">
-                    <a16:creationId xmlns:a16="http://schemas.microsoft.com/office/drawing/2014/main" id="{063F36B3-1524-4806-1F70-77B840D8F80E}"/>
+                    <a16:creationId xmlns:a16="http://schemas.microsoft.com/office/drawing/2014/main" id="{BAEFF55F-FBC4-195F-60A4-5E4FC3247774}"/>
                   </a:ext>
                 </a:extLst>
               </p:cNvPr>
@@ -10738,7 +10738,7 @@
               <p:cNvPr id="13" name="TextBox 12">
                 <a:extLst>
                   <a:ext uri="{FF2B5EF4-FFF2-40B4-BE49-F238E27FC236}">
-                    <a16:creationId xmlns:a16="http://schemas.microsoft.com/office/drawing/2014/main" id="{42B0BCA0-3E47-BEB0-E24F-0FB204D3FFC5}"/>
+                    <a16:creationId xmlns:a16="http://schemas.microsoft.com/office/drawing/2014/main" id="{A0328D24-0022-04AE-B973-618907A2F01B}"/>
                   </a:ext>
                 </a:extLst>
               </p:cNvPr>
@@ -10804,7 +10804,7 @@
               <p:cNvPr id="14" name="Straight Arrow Connector 13">
                 <a:extLst>
                   <a:ext uri="{FF2B5EF4-FFF2-40B4-BE49-F238E27FC236}">
-                    <a16:creationId xmlns:a16="http://schemas.microsoft.com/office/drawing/2014/main" id="{9CA41B00-3120-CF4A-6ADE-7DA776A48C3A}"/>
+                    <a16:creationId xmlns:a16="http://schemas.microsoft.com/office/drawing/2014/main" id="{43E9D4FC-372A-C1A2-CF1C-52ABFF64280F}"/>
                   </a:ext>
                 </a:extLst>
               </p:cNvPr>
@@ -10852,7 +10852,7 @@
               <p:cNvPr id="15" name="TextBox 14">
                 <a:extLst>
                   <a:ext uri="{FF2B5EF4-FFF2-40B4-BE49-F238E27FC236}">
-                    <a16:creationId xmlns:a16="http://schemas.microsoft.com/office/drawing/2014/main" id="{16960516-CE57-75BE-8A8F-9C6C22AF8263}"/>
+                    <a16:creationId xmlns:a16="http://schemas.microsoft.com/office/drawing/2014/main" id="{4C68B464-1502-436E-B8B2-B1BA37644437}"/>
                   </a:ext>
                 </a:extLst>
               </p:cNvPr>
@@ -10916,7 +10916,7 @@
               <p:cNvPr id="16" name="Straight Arrow Connector 15">
                 <a:extLst>
                   <a:ext uri="{FF2B5EF4-FFF2-40B4-BE49-F238E27FC236}">
-                    <a16:creationId xmlns:a16="http://schemas.microsoft.com/office/drawing/2014/main" id="{0AFDD793-49F4-EF72-B79B-8D8BA9C58B05}"/>
+                    <a16:creationId xmlns:a16="http://schemas.microsoft.com/office/drawing/2014/main" id="{2E87445D-8103-6976-BABE-F3BA62FD149A}"/>
                   </a:ext>
                 </a:extLst>
               </p:cNvPr>
@@ -10964,7 +10964,7 @@
               <p:cNvPr id="17" name="TextBox 16">
                 <a:extLst>
                   <a:ext uri="{FF2B5EF4-FFF2-40B4-BE49-F238E27FC236}">
-                    <a16:creationId xmlns:a16="http://schemas.microsoft.com/office/drawing/2014/main" id="{C0EBAE87-094E-84B5-9FB7-6A1E4CBB5520}"/>
+                    <a16:creationId xmlns:a16="http://schemas.microsoft.com/office/drawing/2014/main" id="{7A448586-B021-EBCF-B1B3-ED3566A1BC14}"/>
                   </a:ext>
                 </a:extLst>
               </p:cNvPr>
@@ -11023,7 +11023,7 @@
               <p:cNvPr id="18" name="Straight Arrow Connector 17">
                 <a:extLst>
                   <a:ext uri="{FF2B5EF4-FFF2-40B4-BE49-F238E27FC236}">
-                    <a16:creationId xmlns:a16="http://schemas.microsoft.com/office/drawing/2014/main" id="{E63D8659-55FC-4960-A46F-F30FD4B73DCC}"/>
+                    <a16:creationId xmlns:a16="http://schemas.microsoft.com/office/drawing/2014/main" id="{1A64FD57-1871-F3DA-BA00-579079D99198}"/>
                   </a:ext>
                 </a:extLst>
               </p:cNvPr>
@@ -11071,7 +11071,7 @@
               <p:cNvPr id="19" name="TextBox 18">
                 <a:extLst>
                   <a:ext uri="{FF2B5EF4-FFF2-40B4-BE49-F238E27FC236}">
-                    <a16:creationId xmlns:a16="http://schemas.microsoft.com/office/drawing/2014/main" id="{5B6DFE20-59F0-E59E-FD37-7A53F8C663E2}"/>
+                    <a16:creationId xmlns:a16="http://schemas.microsoft.com/office/drawing/2014/main" id="{B820AC07-3018-1715-F9B4-B1E6BA2B059A}"/>
                   </a:ext>
                 </a:extLst>
               </p:cNvPr>
@@ -11127,7 +11127,7 @@
               <p:cNvPr id="20" name="Straight Arrow Connector 19">
                 <a:extLst>
                   <a:ext uri="{FF2B5EF4-FFF2-40B4-BE49-F238E27FC236}">
-                    <a16:creationId xmlns:a16="http://schemas.microsoft.com/office/drawing/2014/main" id="{ED560B56-0858-D21E-B4F4-7245B94408D8}"/>
+                    <a16:creationId xmlns:a16="http://schemas.microsoft.com/office/drawing/2014/main" id="{022E7D75-2E75-1651-1BA0-EF8878C76400}"/>
                   </a:ext>
                 </a:extLst>
               </p:cNvPr>

--- a/plots/Fig3 feature modification flowchart.pptx
+++ b/plots/Fig3 feature modification flowchart.pptx
@@ -197,7 +197,7 @@
           <a:p>
             <a:fld id="{7FBD6D00-5174-A449-9D44-84A3CC40E9AF}" type="datetimeFigureOut">
               <a:rPr lang="en-US" smtClean="0"/>
-              <a:t>1/16/24</a:t>
+              <a:t>4/11/24</a:t>
             </a:fld>
             <a:endParaRPr lang="en-US"/>
           </a:p>
@@ -596,7 +596,7 @@
           <a:p>
             <a:fld id="{A2BAE022-C88F-2B41-9F90-7F832352A141}" type="datetimeFigureOut">
               <a:rPr lang="en-US" smtClean="0"/>
-              <a:t>1/16/24</a:t>
+              <a:t>4/11/24</a:t>
             </a:fld>
             <a:endParaRPr lang="en-US"/>
           </a:p>
@@ -766,7 +766,7 @@
           <a:p>
             <a:fld id="{A2BAE022-C88F-2B41-9F90-7F832352A141}" type="datetimeFigureOut">
               <a:rPr lang="en-US" smtClean="0"/>
-              <a:t>1/16/24</a:t>
+              <a:t>4/11/24</a:t>
             </a:fld>
             <a:endParaRPr lang="en-US"/>
           </a:p>
@@ -946,7 +946,7 @@
           <a:p>
             <a:fld id="{A2BAE022-C88F-2B41-9F90-7F832352A141}" type="datetimeFigureOut">
               <a:rPr lang="en-US" smtClean="0"/>
-              <a:t>1/16/24</a:t>
+              <a:t>4/11/24</a:t>
             </a:fld>
             <a:endParaRPr lang="en-US"/>
           </a:p>
@@ -1116,7 +1116,7 @@
           <a:p>
             <a:fld id="{A2BAE022-C88F-2B41-9F90-7F832352A141}" type="datetimeFigureOut">
               <a:rPr lang="en-US" smtClean="0"/>
-              <a:t>1/16/24</a:t>
+              <a:t>4/11/24</a:t>
             </a:fld>
             <a:endParaRPr lang="en-US"/>
           </a:p>
@@ -1360,7 +1360,7 @@
           <a:p>
             <a:fld id="{A2BAE022-C88F-2B41-9F90-7F832352A141}" type="datetimeFigureOut">
               <a:rPr lang="en-US" smtClean="0"/>
-              <a:t>1/16/24</a:t>
+              <a:t>4/11/24</a:t>
             </a:fld>
             <a:endParaRPr lang="en-US"/>
           </a:p>
@@ -1592,7 +1592,7 @@
           <a:p>
             <a:fld id="{A2BAE022-C88F-2B41-9F90-7F832352A141}" type="datetimeFigureOut">
               <a:rPr lang="en-US" smtClean="0"/>
-              <a:t>1/16/24</a:t>
+              <a:t>4/11/24</a:t>
             </a:fld>
             <a:endParaRPr lang="en-US"/>
           </a:p>
@@ -1959,7 +1959,7 @@
           <a:p>
             <a:fld id="{A2BAE022-C88F-2B41-9F90-7F832352A141}" type="datetimeFigureOut">
               <a:rPr lang="en-US" smtClean="0"/>
-              <a:t>1/16/24</a:t>
+              <a:t>4/11/24</a:t>
             </a:fld>
             <a:endParaRPr lang="en-US"/>
           </a:p>
@@ -2077,7 +2077,7 @@
           <a:p>
             <a:fld id="{A2BAE022-C88F-2B41-9F90-7F832352A141}" type="datetimeFigureOut">
               <a:rPr lang="en-US" smtClean="0"/>
-              <a:t>1/16/24</a:t>
+              <a:t>4/11/24</a:t>
             </a:fld>
             <a:endParaRPr lang="en-US"/>
           </a:p>
@@ -2172,7 +2172,7 @@
           <a:p>
             <a:fld id="{A2BAE022-C88F-2B41-9F90-7F832352A141}" type="datetimeFigureOut">
               <a:rPr lang="en-US" smtClean="0"/>
-              <a:t>1/16/24</a:t>
+              <a:t>4/11/24</a:t>
             </a:fld>
             <a:endParaRPr lang="en-US"/>
           </a:p>
@@ -2449,7 +2449,7 @@
           <a:p>
             <a:fld id="{A2BAE022-C88F-2B41-9F90-7F832352A141}" type="datetimeFigureOut">
               <a:rPr lang="en-US" smtClean="0"/>
-              <a:t>1/16/24</a:t>
+              <a:t>4/11/24</a:t>
             </a:fld>
             <a:endParaRPr lang="en-US"/>
           </a:p>
@@ -2706,7 +2706,7 @@
           <a:p>
             <a:fld id="{A2BAE022-C88F-2B41-9F90-7F832352A141}" type="datetimeFigureOut">
               <a:rPr lang="en-US" smtClean="0"/>
-              <a:t>1/16/24</a:t>
+              <a:t>4/11/24</a:t>
             </a:fld>
             <a:endParaRPr lang="en-US"/>
           </a:p>
@@ -2919,7 +2919,7 @@
           <a:p>
             <a:fld id="{A2BAE022-C88F-2B41-9F90-7F832352A141}" type="datetimeFigureOut">
               <a:rPr lang="en-US" smtClean="0"/>
-              <a:t>1/16/24</a:t>
+              <a:t>4/11/24</a:t>
             </a:fld>
             <a:endParaRPr lang="en-US"/>
           </a:p>
@@ -3956,7 +3956,7 @@
                         <p:spPr>
                           <a:xfrm>
                             <a:off x="-78261" y="4399647"/>
-                            <a:ext cx="1884494" cy="323165"/>
+                            <a:ext cx="1884494" cy="553998"/>
                           </a:xfrm>
                           <a:prstGeom prst="rect">
                             <a:avLst/>
@@ -3975,7 +3975,7 @@
                                 <a:latin typeface="Helvetica" pitchFamily="2" charset="0"/>
                                 <a:cs typeface="Times New Roman" panose="02020603050405020304" pitchFamily="18" charset="0"/>
                               </a:rPr>
-                              <a:t>logical curation step</a:t>
+                              <a:t>logical + design curation step</a:t>
                             </a:r>
                           </a:p>
                         </p:txBody>
@@ -4346,7 +4346,7 @@
                           <p:spPr>
                             <a:xfrm>
                               <a:off x="4510467" y="3701096"/>
-                              <a:ext cx="803425" cy="215444"/>
+                              <a:ext cx="941283" cy="215444"/>
                             </a:xfrm>
                             <a:prstGeom prst="rect">
                               <a:avLst/>
@@ -4365,7 +4365,7 @@
                                   <a:latin typeface="Helvetica" pitchFamily="2" charset="0"/>
                                   <a:cs typeface="Times New Roman" panose="02020603050405020304" pitchFamily="18" charset="0"/>
                                 </a:rPr>
-                                <a:t>100 removals</a:t>
+                                <a:t>100 exclusions</a:t>
                               </a:r>
                             </a:p>
                           </p:txBody>
@@ -4452,7 +4452,7 @@
                                   <a:latin typeface="Helvetica" pitchFamily="2" charset="0"/>
                                   <a:cs typeface="Times New Roman" panose="02020603050405020304" pitchFamily="18" charset="0"/>
                                 </a:rPr>
-                                <a:t>4 omissions </a:t>
+                                <a:t>4 exclusions </a:t>
                               </a:r>
                             </a:p>
                             <a:p>
@@ -4616,7 +4616,7 @@
                                   <a:latin typeface="Helvetica" pitchFamily="2" charset="0"/>
                                   <a:cs typeface="Times New Roman" panose="02020603050405020304" pitchFamily="18" charset="0"/>
                                 </a:rPr>
-                                <a:t>96 omissions </a:t>
+                                <a:t>96 exclusions </a:t>
                               </a:r>
                             </a:p>
                             <a:p>
@@ -5645,7 +5645,7 @@
                                 <a:latin typeface="Helvetica" pitchFamily="2" charset="0"/>
                                 <a:cs typeface="Times New Roman" panose="02020603050405020304" pitchFamily="18" charset="0"/>
                               </a:rPr>
-                              <a:t>45 removals</a:t>
+                              <a:t>45 exclusions</a:t>
                             </a:r>
                           </a:p>
                         </p:txBody>
@@ -5732,7 +5732,7 @@
                                 <a:latin typeface="Helvetica" pitchFamily="2" charset="0"/>
                                 <a:cs typeface="Times New Roman" panose="02020603050405020304" pitchFamily="18" charset="0"/>
                               </a:rPr>
-                              <a:t>3 omissions </a:t>
+                              <a:t>3 exclusions </a:t>
                             </a:r>
                           </a:p>
                           <a:p>
@@ -5829,7 +5829,7 @@
                                 <a:latin typeface="Helvetica" pitchFamily="2" charset="0"/>
                                 <a:cs typeface="Times New Roman" panose="02020603050405020304" pitchFamily="18" charset="0"/>
                               </a:rPr>
-                              <a:t>42 omissions </a:t>
+                              <a:t>42 exclusions </a:t>
                             </a:r>
                           </a:p>
                           <a:p>
@@ -7764,7 +7764,7 @@
                                 <a:latin typeface="Helvetica" pitchFamily="2" charset="0"/>
                                 <a:cs typeface="Times New Roman" panose="02020603050405020304" pitchFamily="18" charset="0"/>
                               </a:rPr>
-                              <a:t>736 removals</a:t>
+                              <a:t>736 exclusions</a:t>
                             </a:r>
                             <a:br>
                               <a:rPr lang="en-US" sz="800" dirty="0">
@@ -7875,7 +7875,7 @@
                                 <a:latin typeface="Helvetica" pitchFamily="2" charset="0"/>
                                 <a:cs typeface="Times New Roman" panose="02020603050405020304" pitchFamily="18" charset="0"/>
                               </a:rPr>
-                              <a:t>282 omissions </a:t>
+                              <a:t>282 exclusions </a:t>
                             </a:r>
                           </a:p>
                           <a:p>
@@ -8069,7 +8069,7 @@
                                 <a:latin typeface="Helvetica" pitchFamily="2" charset="0"/>
                                 <a:cs typeface="Times New Roman" panose="02020603050405020304" pitchFamily="18" charset="0"/>
                               </a:rPr>
-                              <a:t>200 omissions </a:t>
+                              <a:t>200 exclusions </a:t>
                             </a:r>
                           </a:p>
                           <a:p>
@@ -9044,7 +9044,7 @@
                                   <a:latin typeface="Helvetica" pitchFamily="2" charset="0"/>
                                   <a:cs typeface="Times New Roman" panose="02020603050405020304" pitchFamily="18" charset="0"/>
                                 </a:rPr>
-                                <a:t>removals</a:t>
+                                <a:t>exclusions</a:t>
                               </a:r>
                               <a:br>
                                 <a:rPr lang="en-US" sz="800" dirty="0">
@@ -9334,7 +9334,7 @@
                                   <a:latin typeface="Helvetica" pitchFamily="2" charset="0"/>
                                   <a:cs typeface="Times New Roman" panose="02020603050405020304" pitchFamily="18" charset="0"/>
                                 </a:rPr>
-                                <a:t>482 manual removals</a:t>
+                                <a:t>482 manual exclusions</a:t>
                               </a:r>
                             </a:p>
                             <a:p>
@@ -10612,7 +10612,7 @@
                     <a:latin typeface="Helvetica" pitchFamily="2" charset="0"/>
                     <a:cs typeface="Times New Roman" panose="02020603050405020304" pitchFamily="18" charset="0"/>
                   </a:rPr>
-                  <a:t>49 removals</a:t>
+                  <a:t>49 exclusions</a:t>
                 </a:r>
                 <a:br>
                   <a:rPr lang="en-US" sz="800" dirty="0">
@@ -10703,7 +10703,7 @@
                     <a:latin typeface="Helvetica" pitchFamily="2" charset="0"/>
                     <a:cs typeface="Times New Roman" panose="02020603050405020304" pitchFamily="18" charset="0"/>
                   </a:rPr>
-                  <a:t>13 omissions </a:t>
+                  <a:t>13 exclusions </a:t>
                 </a:r>
               </a:p>
               <a:p>
@@ -10769,7 +10769,7 @@
                     <a:latin typeface="Helvetica" pitchFamily="2" charset="0"/>
                     <a:cs typeface="Times New Roman" panose="02020603050405020304" pitchFamily="18" charset="0"/>
                   </a:rPr>
-                  <a:t>36 omissions </a:t>
+                  <a:t>36 exclusions </a:t>
                 </a:r>
               </a:p>
               <a:p>
